--- a/EyeCameraSimulation_Torsion2/TestWithOpenIrisData/CalibrationReferenceFrames.pptx
+++ b/EyeCameraSimulation_Torsion2/TestWithOpenIrisData/CalibrationReferenceFrames.pptx
@@ -5,14 +5,15 @@
     <p:sldMasterId id="2147483648" r:id="rId4"/>
   </p:sldMasterIdLst>
   <p:sldIdLst>
-    <p:sldId id="256" r:id="rId5"/>
-    <p:sldId id="258" r:id="rId6"/>
-    <p:sldId id="257" r:id="rId7"/>
-    <p:sldId id="259" r:id="rId8"/>
-    <p:sldId id="260" r:id="rId9"/>
-    <p:sldId id="262" r:id="rId10"/>
-    <p:sldId id="261" r:id="rId11"/>
-    <p:sldId id="263" r:id="rId12"/>
+    <p:sldId id="264" r:id="rId5"/>
+    <p:sldId id="256" r:id="rId6"/>
+    <p:sldId id="258" r:id="rId7"/>
+    <p:sldId id="257" r:id="rId8"/>
+    <p:sldId id="259" r:id="rId9"/>
+    <p:sldId id="260" r:id="rId10"/>
+    <p:sldId id="262" r:id="rId11"/>
+    <p:sldId id="261" r:id="rId12"/>
+    <p:sldId id="263" r:id="rId13"/>
   </p:sldIdLst>
   <p:sldSz cx="12192000" cy="6858000"/>
   <p:notesSz cx="6858000" cy="9144000"/>
@@ -111,15 +112,12 @@
       </a:defRPr>
     </a:lvl9pPr>
   </p:defaultTextStyle>
+  <p:extLst>
+    <p:ext uri="{EFAFB233-063F-42B5-8137-9DF3F51BA10A}">
+      <p15:sldGuideLst xmlns:p15="http://schemas.microsoft.com/office/powerpoint/2012/main"/>
+    </p:ext>
+  </p:extLst>
 </p:presentation>
-</file>
-
-<file path=ppt/revisionInfo.xml><?xml version="1.0" encoding="utf-8"?>
-<p1510:revInfo xmlns:a="http://schemas.openxmlformats.org/drawingml/2006/main" xmlns:r="http://schemas.openxmlformats.org/officeDocument/2006/relationships" xmlns:p1510="http://schemas.microsoft.com/office/powerpoint/2015/10/main">
-  <p1510:revLst>
-    <p1510:client id="{7A007F79-3D9B-466C-A604-D90BDB1FA946}" v="2" dt="2024-08-01T22:22:15.970"/>
-  </p1510:revLst>
-</p1510:revInfo>
 </file>
 
 <file path=ppt/changesInfos/changesInfo1.xml><?xml version="1.0" encoding="utf-8"?>
@@ -320,6 +318,92 @@
       </pc:sldChg>
     </pc:docChg>
   </pc:docChgLst>
+  <pc:docChgLst>
+    <pc:chgData name="Jorge Otero-Millan" userId="d9a8c85a-12ae-4f78-bf78-c6f990096c8c" providerId="ADAL" clId="{D1E61AB2-A2E6-48BF-8CB0-0A3A266EB4E4}"/>
+    <pc:docChg chg="custSel addSld modSld">
+      <pc:chgData name="Jorge Otero-Millan" userId="d9a8c85a-12ae-4f78-bf78-c6f990096c8c" providerId="ADAL" clId="{D1E61AB2-A2E6-48BF-8CB0-0A3A266EB4E4}" dt="2024-09-11T16:59:30.250" v="302" actId="20577"/>
+      <pc:docMkLst>
+        <pc:docMk/>
+      </pc:docMkLst>
+      <pc:sldChg chg="modSp mod">
+        <pc:chgData name="Jorge Otero-Millan" userId="d9a8c85a-12ae-4f78-bf78-c6f990096c8c" providerId="ADAL" clId="{D1E61AB2-A2E6-48BF-8CB0-0A3A266EB4E4}" dt="2024-09-11T16:22:33.371" v="0" actId="13926"/>
+        <pc:sldMkLst>
+          <pc:docMk/>
+          <pc:sldMk cId="3439138221" sldId="260"/>
+        </pc:sldMkLst>
+        <pc:spChg chg="mod">
+          <ac:chgData name="Jorge Otero-Millan" userId="d9a8c85a-12ae-4f78-bf78-c6f990096c8c" providerId="ADAL" clId="{D1E61AB2-A2E6-48BF-8CB0-0A3A266EB4E4}" dt="2024-09-11T16:22:33.371" v="0" actId="13926"/>
+          <ac:spMkLst>
+            <pc:docMk/>
+            <pc:sldMk cId="3439138221" sldId="260"/>
+            <ac:spMk id="2" creationId="{FF7B6C37-8696-8A18-206A-1C621C0B6589}"/>
+          </ac:spMkLst>
+        </pc:spChg>
+      </pc:sldChg>
+      <pc:sldChg chg="modSp mod">
+        <pc:chgData name="Jorge Otero-Millan" userId="d9a8c85a-12ae-4f78-bf78-c6f990096c8c" providerId="ADAL" clId="{D1E61AB2-A2E6-48BF-8CB0-0A3A266EB4E4}" dt="2024-09-11T16:59:30.250" v="302" actId="20577"/>
+        <pc:sldMkLst>
+          <pc:docMk/>
+          <pc:sldMk cId="4072442645" sldId="263"/>
+        </pc:sldMkLst>
+        <pc:spChg chg="mod">
+          <ac:chgData name="Jorge Otero-Millan" userId="d9a8c85a-12ae-4f78-bf78-c6f990096c8c" providerId="ADAL" clId="{D1E61AB2-A2E6-48BF-8CB0-0A3A266EB4E4}" dt="2024-09-11T16:56:32.896" v="36" actId="20577"/>
+          <ac:spMkLst>
+            <pc:docMk/>
+            <pc:sldMk cId="4072442645" sldId="263"/>
+            <ac:spMk id="2" creationId="{46F40582-B56D-5D20-10D6-E1E6CC161117}"/>
+          </ac:spMkLst>
+        </pc:spChg>
+        <pc:spChg chg="mod">
+          <ac:chgData name="Jorge Otero-Millan" userId="d9a8c85a-12ae-4f78-bf78-c6f990096c8c" providerId="ADAL" clId="{D1E61AB2-A2E6-48BF-8CB0-0A3A266EB4E4}" dt="2024-09-11T16:59:30.250" v="302" actId="20577"/>
+          <ac:spMkLst>
+            <pc:docMk/>
+            <pc:sldMk cId="4072442645" sldId="263"/>
+            <ac:spMk id="3" creationId="{6F75E103-7D8F-26C5-06A3-2743E096F157}"/>
+          </ac:spMkLst>
+        </pc:spChg>
+      </pc:sldChg>
+      <pc:sldChg chg="addSp delSp modSp new mod modClrScheme chgLayout">
+        <pc:chgData name="Jorge Otero-Millan" userId="d9a8c85a-12ae-4f78-bf78-c6f990096c8c" providerId="ADAL" clId="{D1E61AB2-A2E6-48BF-8CB0-0A3A266EB4E4}" dt="2024-09-11T16:34:18.478" v="15" actId="20577"/>
+        <pc:sldMkLst>
+          <pc:docMk/>
+          <pc:sldMk cId="149439862" sldId="264"/>
+        </pc:sldMkLst>
+        <pc:spChg chg="del">
+          <ac:chgData name="Jorge Otero-Millan" userId="d9a8c85a-12ae-4f78-bf78-c6f990096c8c" providerId="ADAL" clId="{D1E61AB2-A2E6-48BF-8CB0-0A3A266EB4E4}" dt="2024-09-11T16:34:03.812" v="2" actId="478"/>
+          <ac:spMkLst>
+            <pc:docMk/>
+            <pc:sldMk cId="149439862" sldId="264"/>
+            <ac:spMk id="2" creationId="{6590E631-8C31-9AA0-8CA4-CDC2566023DB}"/>
+          </ac:spMkLst>
+        </pc:spChg>
+        <pc:spChg chg="del">
+          <ac:chgData name="Jorge Otero-Millan" userId="d9a8c85a-12ae-4f78-bf78-c6f990096c8c" providerId="ADAL" clId="{D1E61AB2-A2E6-48BF-8CB0-0A3A266EB4E4}" dt="2024-09-11T16:34:03.812" v="2" actId="478"/>
+          <ac:spMkLst>
+            <pc:docMk/>
+            <pc:sldMk cId="149439862" sldId="264"/>
+            <ac:spMk id="3" creationId="{A8F1A15F-77F4-467D-1932-DB505969192A}"/>
+          </ac:spMkLst>
+        </pc:spChg>
+        <pc:spChg chg="add mod">
+          <ac:chgData name="Jorge Otero-Millan" userId="d9a8c85a-12ae-4f78-bf78-c6f990096c8c" providerId="ADAL" clId="{D1E61AB2-A2E6-48BF-8CB0-0A3A266EB4E4}" dt="2024-09-11T16:34:06.130" v="3" actId="700"/>
+          <ac:spMkLst>
+            <pc:docMk/>
+            <pc:sldMk cId="149439862" sldId="264"/>
+            <ac:spMk id="4" creationId="{BA486E7D-C2EF-87DC-49CF-E6DA354A68CE}"/>
+          </ac:spMkLst>
+        </pc:spChg>
+        <pc:spChg chg="add mod">
+          <ac:chgData name="Jorge Otero-Millan" userId="d9a8c85a-12ae-4f78-bf78-c6f990096c8c" providerId="ADAL" clId="{D1E61AB2-A2E6-48BF-8CB0-0A3A266EB4E4}" dt="2024-09-11T16:34:18.478" v="15" actId="20577"/>
+          <ac:spMkLst>
+            <pc:docMk/>
+            <pc:sldMk cId="149439862" sldId="264"/>
+            <ac:spMk id="5" creationId="{04B80178-D219-A44F-9FBB-B3E5100A1C98}"/>
+          </ac:spMkLst>
+        </pc:spChg>
+      </pc:sldChg>
+    </pc:docChg>
+  </pc:docChgLst>
 </pc:chgInfo>
 </file>
 
@@ -470,7 +554,7 @@
           <a:p>
             <a:fld id="{982994E9-8008-45D4-A63E-DBA9E3317288}" type="datetimeFigureOut">
               <a:rPr lang="en-US" smtClean="0"/>
-              <a:t>8/1/2024</a:t>
+              <a:t>9/11/2024</a:t>
             </a:fld>
             <a:endParaRPr lang="en-US"/>
           </a:p>
@@ -668,7 +752,7 @@
           <a:p>
             <a:fld id="{982994E9-8008-45D4-A63E-DBA9E3317288}" type="datetimeFigureOut">
               <a:rPr lang="en-US" smtClean="0"/>
-              <a:t>8/1/2024</a:t>
+              <a:t>9/11/2024</a:t>
             </a:fld>
             <a:endParaRPr lang="en-US"/>
           </a:p>
@@ -876,7 +960,7 @@
           <a:p>
             <a:fld id="{982994E9-8008-45D4-A63E-DBA9E3317288}" type="datetimeFigureOut">
               <a:rPr lang="en-US" smtClean="0"/>
-              <a:t>8/1/2024</a:t>
+              <a:t>9/11/2024</a:t>
             </a:fld>
             <a:endParaRPr lang="en-US"/>
           </a:p>
@@ -1074,7 +1158,7 @@
           <a:p>
             <a:fld id="{982994E9-8008-45D4-A63E-DBA9E3317288}" type="datetimeFigureOut">
               <a:rPr lang="en-US" smtClean="0"/>
-              <a:t>8/1/2024</a:t>
+              <a:t>9/11/2024</a:t>
             </a:fld>
             <a:endParaRPr lang="en-US"/>
           </a:p>
@@ -1349,7 +1433,7 @@
           <a:p>
             <a:fld id="{982994E9-8008-45D4-A63E-DBA9E3317288}" type="datetimeFigureOut">
               <a:rPr lang="en-US" smtClean="0"/>
-              <a:t>8/1/2024</a:t>
+              <a:t>9/11/2024</a:t>
             </a:fld>
             <a:endParaRPr lang="en-US"/>
           </a:p>
@@ -1614,7 +1698,7 @@
           <a:p>
             <a:fld id="{982994E9-8008-45D4-A63E-DBA9E3317288}" type="datetimeFigureOut">
               <a:rPr lang="en-US" smtClean="0"/>
-              <a:t>8/1/2024</a:t>
+              <a:t>9/11/2024</a:t>
             </a:fld>
             <a:endParaRPr lang="en-US"/>
           </a:p>
@@ -2026,7 +2110,7 @@
           <a:p>
             <a:fld id="{982994E9-8008-45D4-A63E-DBA9E3317288}" type="datetimeFigureOut">
               <a:rPr lang="en-US" smtClean="0"/>
-              <a:t>8/1/2024</a:t>
+              <a:t>9/11/2024</a:t>
             </a:fld>
             <a:endParaRPr lang="en-US"/>
           </a:p>
@@ -2167,7 +2251,7 @@
           <a:p>
             <a:fld id="{982994E9-8008-45D4-A63E-DBA9E3317288}" type="datetimeFigureOut">
               <a:rPr lang="en-US" smtClean="0"/>
-              <a:t>8/1/2024</a:t>
+              <a:t>9/11/2024</a:t>
             </a:fld>
             <a:endParaRPr lang="en-US"/>
           </a:p>
@@ -2280,7 +2364,7 @@
           <a:p>
             <a:fld id="{982994E9-8008-45D4-A63E-DBA9E3317288}" type="datetimeFigureOut">
               <a:rPr lang="en-US" smtClean="0"/>
-              <a:t>8/1/2024</a:t>
+              <a:t>9/11/2024</a:t>
             </a:fld>
             <a:endParaRPr lang="en-US"/>
           </a:p>
@@ -2591,7 +2675,7 @@
           <a:p>
             <a:fld id="{982994E9-8008-45D4-A63E-DBA9E3317288}" type="datetimeFigureOut">
               <a:rPr lang="en-US" smtClean="0"/>
-              <a:t>8/1/2024</a:t>
+              <a:t>9/11/2024</a:t>
             </a:fld>
             <a:endParaRPr lang="en-US"/>
           </a:p>
@@ -2879,7 +2963,7 @@
           <a:p>
             <a:fld id="{982994E9-8008-45D4-A63E-DBA9E3317288}" type="datetimeFigureOut">
               <a:rPr lang="en-US" smtClean="0"/>
-              <a:t>8/1/2024</a:t>
+              <a:t>9/11/2024</a:t>
             </a:fld>
             <a:endParaRPr lang="en-US"/>
           </a:p>
@@ -3120,7 +3204,7 @@
           <a:p>
             <a:fld id="{982994E9-8008-45D4-A63E-DBA9E3317288}" type="datetimeFigureOut">
               <a:rPr lang="en-US" smtClean="0"/>
-              <a:t>8/1/2024</a:t>
+              <a:t>9/11/2024</a:t>
             </a:fld>
             <a:endParaRPr lang="en-US"/>
           </a:p>
@@ -3537,6 +3621,90 @@
           <a:chExt cx="0" cy="0"/>
         </a:xfrm>
       </p:grpSpPr>
+      <p:sp>
+        <p:nvSpPr>
+          <p:cNvPr id="4" name="Title 3">
+            <a:extLst>
+              <a:ext uri="{FF2B5EF4-FFF2-40B4-BE49-F238E27FC236}">
+                <a16:creationId xmlns:a16="http://schemas.microsoft.com/office/drawing/2014/main" id="{BA486E7D-C2EF-87DC-49CF-E6DA354A68CE}"/>
+              </a:ext>
+            </a:extLst>
+          </p:cNvPr>
+          <p:cNvSpPr>
+            <a:spLocks noGrp="1"/>
+          </p:cNvSpPr>
+          <p:nvPr>
+            <p:ph type="title"/>
+          </p:nvPr>
+        </p:nvSpPr>
+        <p:spPr/>
+        <p:txBody>
+          <a:bodyPr/>
+          <a:lstStyle/>
+          <a:p>
+            <a:endParaRPr lang="en-US"/>
+          </a:p>
+        </p:txBody>
+      </p:sp>
+      <p:sp>
+        <p:nvSpPr>
+          <p:cNvPr id="5" name="Content Placeholder 4">
+            <a:extLst>
+              <a:ext uri="{FF2B5EF4-FFF2-40B4-BE49-F238E27FC236}">
+                <a16:creationId xmlns:a16="http://schemas.microsoft.com/office/drawing/2014/main" id="{04B80178-D219-A44F-9FBB-B3E5100A1C98}"/>
+              </a:ext>
+            </a:extLst>
+          </p:cNvPr>
+          <p:cNvSpPr>
+            <a:spLocks noGrp="1"/>
+          </p:cNvSpPr>
+          <p:nvPr>
+            <p:ph idx="1"/>
+          </p:nvPr>
+        </p:nvSpPr>
+        <p:spPr/>
+        <p:txBody>
+          <a:bodyPr/>
+          <a:lstStyle/>
+          <a:p>
+            <a:r>
+              <a:rPr lang="en-US" dirty="0" err="1"/>
+              <a:t>Simulation.m</a:t>
+            </a:r>
+            <a:endParaRPr lang="en-US" dirty="0"/>
+          </a:p>
+        </p:txBody>
+      </p:sp>
+    </p:spTree>
+    <p:extLst>
+      <p:ext uri="{BB962C8B-B14F-4D97-AF65-F5344CB8AC3E}">
+        <p14:creationId xmlns:p14="http://schemas.microsoft.com/office/powerpoint/2010/main" val="149439862"/>
+      </p:ext>
+    </p:extLst>
+  </p:cSld>
+  <p:clrMapOvr>
+    <a:masterClrMapping/>
+  </p:clrMapOvr>
+</p:sld>
+</file>
+
+<file path=ppt/slides/slide2.xml><?xml version="1.0" encoding="utf-8"?>
+<p:sld xmlns:a="http://schemas.openxmlformats.org/drawingml/2006/main" xmlns:r="http://schemas.openxmlformats.org/officeDocument/2006/relationships" xmlns:p="http://schemas.openxmlformats.org/presentationml/2006/main">
+  <p:cSld>
+    <p:spTree>
+      <p:nvGrpSpPr>
+        <p:cNvPr id="1" name=""/>
+        <p:cNvGrpSpPr/>
+        <p:nvPr/>
+      </p:nvGrpSpPr>
+      <p:grpSpPr>
+        <a:xfrm>
+          <a:off x="0" y="0"/>
+          <a:ext cx="0" cy="0"/>
+          <a:chOff x="0" y="0"/>
+          <a:chExt cx="0" cy="0"/>
+        </a:xfrm>
+      </p:grpSpPr>
       <p:cxnSp>
         <p:nvCxnSpPr>
           <p:cNvPr id="6" name="Straight Arrow Connector 5">
@@ -3938,7 +4106,7 @@
 </p:sld>
 </file>
 
-<file path=ppt/slides/slide2.xml><?xml version="1.0" encoding="utf-8"?>
+<file path=ppt/slides/slide3.xml><?xml version="1.0" encoding="utf-8"?>
 <p:sld xmlns:a="http://schemas.openxmlformats.org/drawingml/2006/main" xmlns:r="http://schemas.openxmlformats.org/officeDocument/2006/relationships" xmlns:p="http://schemas.openxmlformats.org/presentationml/2006/main">
   <p:cSld>
     <p:spTree>
@@ -4081,7 +4249,7 @@
 </p:sld>
 </file>
 
-<file path=ppt/slides/slide3.xml><?xml version="1.0" encoding="utf-8"?>
+<file path=ppt/slides/slide4.xml><?xml version="1.0" encoding="utf-8"?>
 <p:sld xmlns:a="http://schemas.openxmlformats.org/drawingml/2006/main" xmlns:r="http://schemas.openxmlformats.org/officeDocument/2006/relationships" xmlns:p="http://schemas.openxmlformats.org/presentationml/2006/main">
   <p:cSld>
     <p:spTree>
@@ -4503,957 +4671,6 @@
 </p:sld>
 </file>
 
-<file path=ppt/slides/slide4.xml><?xml version="1.0" encoding="utf-8"?>
-<p:sld xmlns:a="http://schemas.openxmlformats.org/drawingml/2006/main" xmlns:r="http://schemas.openxmlformats.org/officeDocument/2006/relationships" xmlns:p="http://schemas.openxmlformats.org/presentationml/2006/main">
-  <p:cSld>
-    <p:spTree>
-      <p:nvGrpSpPr>
-        <p:cNvPr id="1" name=""/>
-        <p:cNvGrpSpPr/>
-        <p:nvPr/>
-      </p:nvGrpSpPr>
-      <p:grpSpPr>
-        <a:xfrm>
-          <a:off x="0" y="0"/>
-          <a:ext cx="0" cy="0"/>
-          <a:chOff x="0" y="0"/>
-          <a:chExt cx="0" cy="0"/>
-        </a:xfrm>
-      </p:grpSpPr>
-      <p:sp>
-        <p:nvSpPr>
-          <p:cNvPr id="2" name="Title 1">
-            <a:extLst>
-              <a:ext uri="{FF2B5EF4-FFF2-40B4-BE49-F238E27FC236}">
-                <a16:creationId xmlns:a16="http://schemas.microsoft.com/office/drawing/2014/main" id="{AD55B07D-99FA-8309-7A2A-272BD947B2D8}"/>
-              </a:ext>
-            </a:extLst>
-          </p:cNvPr>
-          <p:cNvSpPr>
-            <a:spLocks noGrp="1"/>
-          </p:cNvSpPr>
-          <p:nvPr>
-            <p:ph type="title"/>
-          </p:nvPr>
-        </p:nvSpPr>
-        <p:spPr/>
-        <p:txBody>
-          <a:bodyPr/>
-          <a:lstStyle/>
-          <a:p>
-            <a:r>
-              <a:rPr lang="en-US" sz="4400" b="0" i="0" dirty="0" err="1">
-                <a:effectLst/>
-                <a:latin typeface="Menlo"/>
-              </a:rPr>
-              <a:t>CalculateEyeRotationQuaternion</a:t>
-            </a:r>
-            <a:r>
-              <a:rPr lang="en-US" dirty="0" err="1">
-                <a:latin typeface="Menlo"/>
-              </a:rPr>
-              <a:t>.m</a:t>
-            </a:r>
-            <a:endParaRPr lang="en-US" dirty="0"/>
-          </a:p>
-        </p:txBody>
-      </p:sp>
-      <p:sp>
-        <p:nvSpPr>
-          <p:cNvPr id="3" name="Content Placeholder 2">
-            <a:extLst>
-              <a:ext uri="{FF2B5EF4-FFF2-40B4-BE49-F238E27FC236}">
-                <a16:creationId xmlns:a16="http://schemas.microsoft.com/office/drawing/2014/main" id="{0E251E44-EC7D-1CC9-CDA5-853589B0A314}"/>
-              </a:ext>
-            </a:extLst>
-          </p:cNvPr>
-          <p:cNvSpPr>
-            <a:spLocks noGrp="1"/>
-          </p:cNvSpPr>
-          <p:nvPr>
-            <p:ph idx="1"/>
-          </p:nvPr>
-        </p:nvSpPr>
-        <p:spPr/>
-        <p:txBody>
-          <a:bodyPr/>
-          <a:lstStyle/>
-          <a:p>
-            <a:r>
-              <a:rPr lang="en-US" dirty="0"/>
-              <a:t>Seems like q is being actually calculated in a left handed reference frame </a:t>
-            </a:r>
-          </a:p>
-          <a:p>
-            <a:endParaRPr lang="en-US" dirty="0"/>
-          </a:p>
-          <a:p>
-            <a:r>
-              <a:rPr lang="en-US" sz="1800" b="0" i="0" dirty="0">
-                <a:effectLst/>
-                <a:latin typeface="Menlo"/>
-              </a:rPr>
-              <a:t>q3 = -sin(angle)* sin(</a:t>
-            </a:r>
-            <a:r>
-              <a:rPr lang="en-US" sz="1800" b="0" i="0" dirty="0" err="1">
-                <a:effectLst/>
-                <a:latin typeface="Menlo"/>
-              </a:rPr>
-              <a:t>ecc</a:t>
-            </a:r>
-            <a:r>
-              <a:rPr lang="en-US" sz="1800" b="0" i="0" dirty="0">
-                <a:effectLst/>
-                <a:latin typeface="Menlo"/>
-              </a:rPr>
-              <a:t>/2); </a:t>
-            </a:r>
-          </a:p>
-          <a:p>
-            <a:endParaRPr lang="en-US" sz="1800" dirty="0">
-              <a:latin typeface="Menlo"/>
-            </a:endParaRPr>
-          </a:p>
-          <a:p>
-            <a:r>
-              <a:rPr lang="en-US" sz="1800" b="0" i="0" dirty="0">
-                <a:effectLst/>
-                <a:latin typeface="Menlo"/>
-              </a:rPr>
-              <a:t>should be q3 = sin(angle)* sin(</a:t>
-            </a:r>
-            <a:r>
-              <a:rPr lang="en-US" sz="1800" b="0" i="0" dirty="0" err="1">
-                <a:effectLst/>
-                <a:latin typeface="Menlo"/>
-              </a:rPr>
-              <a:t>ecc</a:t>
-            </a:r>
-            <a:r>
-              <a:rPr lang="en-US" sz="1800" b="0" i="0" dirty="0">
-                <a:effectLst/>
-                <a:latin typeface="Menlo"/>
-              </a:rPr>
-              <a:t>/2);</a:t>
-            </a:r>
-          </a:p>
-          <a:p>
-            <a:endParaRPr lang="en-US" sz="1800" b="0" i="0" dirty="0">
-              <a:effectLst/>
-              <a:latin typeface="Menlo"/>
-            </a:endParaRPr>
-          </a:p>
-          <a:p>
-            <a:r>
-              <a:rPr lang="en-US" sz="1800" dirty="0">
-                <a:latin typeface="Menlo"/>
-              </a:rPr>
-              <a:t>That however matches what </a:t>
-            </a:r>
-            <a:r>
-              <a:rPr lang="en-US" sz="1800" dirty="0" err="1">
-                <a:latin typeface="Menlo"/>
-              </a:rPr>
-              <a:t>openiris</a:t>
-            </a:r>
-            <a:r>
-              <a:rPr lang="en-US" sz="1800" dirty="0">
-                <a:latin typeface="Menlo"/>
-              </a:rPr>
-              <a:t> is doing. </a:t>
-            </a:r>
-            <a:endParaRPr lang="en-US" sz="1800" b="0" i="0" dirty="0">
-              <a:effectLst/>
-              <a:latin typeface="Menlo"/>
-            </a:endParaRPr>
-          </a:p>
-        </p:txBody>
-      </p:sp>
-      <p:sp>
-        <p:nvSpPr>
-          <p:cNvPr id="5" name="TextBox 4">
-            <a:extLst>
-              <a:ext uri="{FF2B5EF4-FFF2-40B4-BE49-F238E27FC236}">
-                <a16:creationId xmlns:a16="http://schemas.microsoft.com/office/drawing/2014/main" id="{59BFA73E-A961-E574-FACC-2D811AD60DF4}"/>
-              </a:ext>
-            </a:extLst>
-          </p:cNvPr>
-          <p:cNvSpPr txBox="1"/>
-          <p:nvPr/>
-        </p:nvSpPr>
-        <p:spPr>
-          <a:xfrm>
-            <a:off x="3411416" y="5140568"/>
-            <a:ext cx="7514492" cy="1492716"/>
-          </a:xfrm>
-          <a:prstGeom prst="rect">
-            <a:avLst/>
-          </a:prstGeom>
-          <a:noFill/>
-        </p:spPr>
-        <p:txBody>
-          <a:bodyPr wrap="square">
-            <a:spAutoFit/>
-          </a:bodyPr>
-          <a:lstStyle/>
-          <a:p>
-            <a:r>
-              <a:rPr lang="en-US" sz="700" dirty="0">
-                <a:solidFill>
-                  <a:srgbClr val="000000"/>
-                </a:solidFill>
-                <a:latin typeface="Cascadia Mono" panose="020B0609020000020004" pitchFamily="49" charset="0"/>
-              </a:rPr>
-              <a:t> </a:t>
-            </a:r>
-            <a:r>
-              <a:rPr lang="en-US" sz="700" dirty="0">
-                <a:solidFill>
-                  <a:srgbClr val="008000"/>
-                </a:solidFill>
-                <a:latin typeface="Cascadia Mono" panose="020B0609020000020004" pitchFamily="49" charset="0"/>
-              </a:rPr>
-              <a:t>// quaternion defining the rotation of the eyeball (ignoring torsion) just the center of the pupil</a:t>
-            </a:r>
-            <a:endParaRPr lang="en-US" sz="700" dirty="0">
-              <a:solidFill>
-                <a:srgbClr val="000000"/>
-              </a:solidFill>
-              <a:latin typeface="Cascadia Mono" panose="020B0609020000020004" pitchFamily="49" charset="0"/>
-            </a:endParaRPr>
-          </a:p>
-          <a:p>
-            <a:r>
-              <a:rPr lang="en-US" sz="700" dirty="0">
-                <a:solidFill>
-                  <a:srgbClr val="000000"/>
-                </a:solidFill>
-                <a:latin typeface="Cascadia Mono" panose="020B0609020000020004" pitchFamily="49" charset="0"/>
-              </a:rPr>
-              <a:t>                </a:t>
-            </a:r>
-            <a:r>
-              <a:rPr lang="en-US" sz="700" dirty="0">
-                <a:solidFill>
-                  <a:srgbClr val="0000FF"/>
-                </a:solidFill>
-                <a:latin typeface="Cascadia Mono" panose="020B0609020000020004" pitchFamily="49" charset="0"/>
-              </a:rPr>
-              <a:t>var</a:t>
-            </a:r>
-            <a:r>
-              <a:rPr lang="en-US" sz="700" dirty="0">
-                <a:solidFill>
-                  <a:srgbClr val="000000"/>
-                </a:solidFill>
-                <a:latin typeface="Cascadia Mono" panose="020B0609020000020004" pitchFamily="49" charset="0"/>
-              </a:rPr>
-              <a:t> </a:t>
-            </a:r>
-            <a:r>
-              <a:rPr lang="en-US" sz="700" dirty="0" err="1">
-                <a:solidFill>
-                  <a:srgbClr val="000000"/>
-                </a:solidFill>
-                <a:latin typeface="Cascadia Mono" panose="020B0609020000020004" pitchFamily="49" charset="0"/>
-              </a:rPr>
-              <a:t>yC</a:t>
-            </a:r>
-            <a:r>
-              <a:rPr lang="en-US" sz="700" dirty="0">
-                <a:solidFill>
-                  <a:srgbClr val="000000"/>
-                </a:solidFill>
-                <a:latin typeface="Cascadia Mono" panose="020B0609020000020004" pitchFamily="49" charset="0"/>
-              </a:rPr>
-              <a:t> = </a:t>
-            </a:r>
-            <a:r>
-              <a:rPr lang="en-US" sz="700" dirty="0" err="1">
-                <a:solidFill>
-                  <a:srgbClr val="000000"/>
-                </a:solidFill>
-                <a:latin typeface="Cascadia Mono" panose="020B0609020000020004" pitchFamily="49" charset="0"/>
-              </a:rPr>
-              <a:t>iris.Center.Y</a:t>
-            </a:r>
-            <a:r>
-              <a:rPr lang="en-US" sz="700" dirty="0">
-                <a:solidFill>
-                  <a:srgbClr val="000000"/>
-                </a:solidFill>
-                <a:latin typeface="Cascadia Mono" panose="020B0609020000020004" pitchFamily="49" charset="0"/>
-              </a:rPr>
-              <a:t> - </a:t>
-            </a:r>
-            <a:r>
-              <a:rPr lang="en-US" sz="700" dirty="0" err="1">
-                <a:solidFill>
-                  <a:srgbClr val="000000"/>
-                </a:solidFill>
-                <a:latin typeface="Cascadia Mono" panose="020B0609020000020004" pitchFamily="49" charset="0"/>
-              </a:rPr>
-              <a:t>eyeModel.Center.Y</a:t>
-            </a:r>
-            <a:r>
-              <a:rPr lang="en-US" sz="700" dirty="0">
-                <a:solidFill>
-                  <a:srgbClr val="000000"/>
-                </a:solidFill>
-                <a:latin typeface="Cascadia Mono" panose="020B0609020000020004" pitchFamily="49" charset="0"/>
-              </a:rPr>
-              <a:t>;</a:t>
-            </a:r>
-          </a:p>
-          <a:p>
-            <a:r>
-              <a:rPr lang="en-US" sz="700" dirty="0">
-                <a:solidFill>
-                  <a:srgbClr val="000000"/>
-                </a:solidFill>
-                <a:latin typeface="Cascadia Mono" panose="020B0609020000020004" pitchFamily="49" charset="0"/>
-              </a:rPr>
-              <a:t>                </a:t>
-            </a:r>
-            <a:r>
-              <a:rPr lang="en-US" sz="700" dirty="0">
-                <a:solidFill>
-                  <a:srgbClr val="0000FF"/>
-                </a:solidFill>
-                <a:latin typeface="Cascadia Mono" panose="020B0609020000020004" pitchFamily="49" charset="0"/>
-              </a:rPr>
-              <a:t>var</a:t>
-            </a:r>
-            <a:r>
-              <a:rPr lang="en-US" sz="700" dirty="0">
-                <a:solidFill>
-                  <a:srgbClr val="000000"/>
-                </a:solidFill>
-                <a:latin typeface="Cascadia Mono" panose="020B0609020000020004" pitchFamily="49" charset="0"/>
-              </a:rPr>
-              <a:t> </a:t>
-            </a:r>
-            <a:r>
-              <a:rPr lang="en-US" sz="700" dirty="0" err="1">
-                <a:solidFill>
-                  <a:srgbClr val="000000"/>
-                </a:solidFill>
-                <a:latin typeface="Cascadia Mono" panose="020B0609020000020004" pitchFamily="49" charset="0"/>
-              </a:rPr>
-              <a:t>xC</a:t>
-            </a:r>
-            <a:r>
-              <a:rPr lang="en-US" sz="700" dirty="0">
-                <a:solidFill>
-                  <a:srgbClr val="000000"/>
-                </a:solidFill>
-                <a:latin typeface="Cascadia Mono" panose="020B0609020000020004" pitchFamily="49" charset="0"/>
-              </a:rPr>
-              <a:t> = </a:t>
-            </a:r>
-            <a:r>
-              <a:rPr lang="en-US" sz="700" dirty="0" err="1">
-                <a:solidFill>
-                  <a:srgbClr val="000000"/>
-                </a:solidFill>
-                <a:latin typeface="Cascadia Mono" panose="020B0609020000020004" pitchFamily="49" charset="0"/>
-              </a:rPr>
-              <a:t>iris.Center.X</a:t>
-            </a:r>
-            <a:r>
-              <a:rPr lang="en-US" sz="700" dirty="0">
-                <a:solidFill>
-                  <a:srgbClr val="000000"/>
-                </a:solidFill>
-                <a:latin typeface="Cascadia Mono" panose="020B0609020000020004" pitchFamily="49" charset="0"/>
-              </a:rPr>
-              <a:t> - </a:t>
-            </a:r>
-            <a:r>
-              <a:rPr lang="en-US" sz="700" dirty="0" err="1">
-                <a:solidFill>
-                  <a:srgbClr val="000000"/>
-                </a:solidFill>
-                <a:latin typeface="Cascadia Mono" panose="020B0609020000020004" pitchFamily="49" charset="0"/>
-              </a:rPr>
-              <a:t>eyeModel.Center.X</a:t>
-            </a:r>
-            <a:r>
-              <a:rPr lang="en-US" sz="700" dirty="0">
-                <a:solidFill>
-                  <a:srgbClr val="000000"/>
-                </a:solidFill>
-                <a:latin typeface="Cascadia Mono" panose="020B0609020000020004" pitchFamily="49" charset="0"/>
-              </a:rPr>
-              <a:t>;</a:t>
-            </a:r>
-          </a:p>
-          <a:p>
-            <a:endParaRPr lang="en-US" sz="700" dirty="0">
-              <a:solidFill>
-                <a:srgbClr val="000000"/>
-              </a:solidFill>
-              <a:latin typeface="Cascadia Mono" panose="020B0609020000020004" pitchFamily="49" charset="0"/>
-            </a:endParaRPr>
-          </a:p>
-          <a:p>
-            <a:r>
-              <a:rPr lang="en-US" sz="700" dirty="0">
-                <a:solidFill>
-                  <a:srgbClr val="000000"/>
-                </a:solidFill>
-                <a:latin typeface="Cascadia Mono" panose="020B0609020000020004" pitchFamily="49" charset="0"/>
-              </a:rPr>
-              <a:t>                </a:t>
-            </a:r>
-            <a:r>
-              <a:rPr lang="en-US" sz="700" dirty="0">
-                <a:solidFill>
-                  <a:srgbClr val="008000"/>
-                </a:solidFill>
-                <a:latin typeface="Cascadia Mono" panose="020B0609020000020004" pitchFamily="49" charset="0"/>
-              </a:rPr>
-              <a:t>// First get the polar angle of the rotation. As the direction angle the eye moves from eye model center</a:t>
-            </a:r>
-            <a:endParaRPr lang="en-US" sz="700" dirty="0">
-              <a:solidFill>
-                <a:srgbClr val="000000"/>
-              </a:solidFill>
-              <a:latin typeface="Cascadia Mono" panose="020B0609020000020004" pitchFamily="49" charset="0"/>
-            </a:endParaRPr>
-          </a:p>
-          <a:p>
-            <a:r>
-              <a:rPr lang="en-US" sz="700" dirty="0">
-                <a:solidFill>
-                  <a:srgbClr val="000000"/>
-                </a:solidFill>
-                <a:latin typeface="Cascadia Mono" panose="020B0609020000020004" pitchFamily="49" charset="0"/>
-              </a:rPr>
-              <a:t>                </a:t>
-            </a:r>
-            <a:r>
-              <a:rPr lang="en-US" sz="700" dirty="0">
-                <a:solidFill>
-                  <a:srgbClr val="008000"/>
-                </a:solidFill>
-                <a:latin typeface="Cascadia Mono" panose="020B0609020000020004" pitchFamily="49" charset="0"/>
-              </a:rPr>
-              <a:t>// to iris center.</a:t>
-            </a:r>
-            <a:endParaRPr lang="en-US" sz="700" dirty="0">
-              <a:solidFill>
-                <a:srgbClr val="000000"/>
-              </a:solidFill>
-              <a:latin typeface="Cascadia Mono" panose="020B0609020000020004" pitchFamily="49" charset="0"/>
-            </a:endParaRPr>
-          </a:p>
-          <a:p>
-            <a:r>
-              <a:rPr lang="en-US" sz="700" dirty="0">
-                <a:solidFill>
-                  <a:srgbClr val="000000"/>
-                </a:solidFill>
-                <a:latin typeface="Cascadia Mono" panose="020B0609020000020004" pitchFamily="49" charset="0"/>
-              </a:rPr>
-              <a:t>                </a:t>
-            </a:r>
-            <a:r>
-              <a:rPr lang="en-US" sz="700" dirty="0">
-                <a:solidFill>
-                  <a:srgbClr val="0000FF"/>
-                </a:solidFill>
-                <a:latin typeface="Cascadia Mono" panose="020B0609020000020004" pitchFamily="49" charset="0"/>
-              </a:rPr>
-              <a:t>var</a:t>
-            </a:r>
-            <a:r>
-              <a:rPr lang="en-US" sz="700" dirty="0">
-                <a:solidFill>
-                  <a:srgbClr val="000000"/>
-                </a:solidFill>
-                <a:latin typeface="Cascadia Mono" panose="020B0609020000020004" pitchFamily="49" charset="0"/>
-              </a:rPr>
-              <a:t> angle = Math.Atan2(</a:t>
-            </a:r>
-            <a:r>
-              <a:rPr lang="en-US" sz="700" dirty="0" err="1">
-                <a:solidFill>
-                  <a:srgbClr val="000000"/>
-                </a:solidFill>
-                <a:latin typeface="Cascadia Mono" panose="020B0609020000020004" pitchFamily="49" charset="0"/>
-              </a:rPr>
-              <a:t>yC</a:t>
-            </a:r>
-            <a:r>
-              <a:rPr lang="en-US" sz="700" dirty="0">
-                <a:solidFill>
-                  <a:srgbClr val="000000"/>
-                </a:solidFill>
-                <a:latin typeface="Cascadia Mono" panose="020B0609020000020004" pitchFamily="49" charset="0"/>
-              </a:rPr>
-              <a:t>, </a:t>
-            </a:r>
-            <a:r>
-              <a:rPr lang="en-US" sz="700" dirty="0" err="1">
-                <a:solidFill>
-                  <a:srgbClr val="000000"/>
-                </a:solidFill>
-                <a:latin typeface="Cascadia Mono" panose="020B0609020000020004" pitchFamily="49" charset="0"/>
-              </a:rPr>
-              <a:t>xC</a:t>
-            </a:r>
-            <a:r>
-              <a:rPr lang="en-US" sz="700" dirty="0">
-                <a:solidFill>
-                  <a:srgbClr val="000000"/>
-                </a:solidFill>
-                <a:latin typeface="Cascadia Mono" panose="020B0609020000020004" pitchFamily="49" charset="0"/>
-              </a:rPr>
-              <a:t>);</a:t>
-            </a:r>
-          </a:p>
-          <a:p>
-            <a:r>
-              <a:rPr lang="en-US" sz="700" dirty="0">
-                <a:solidFill>
-                  <a:srgbClr val="000000"/>
-                </a:solidFill>
-                <a:latin typeface="Cascadia Mono" panose="020B0609020000020004" pitchFamily="49" charset="0"/>
-              </a:rPr>
-              <a:t>                </a:t>
-            </a:r>
-            <a:r>
-              <a:rPr lang="en-US" sz="700" dirty="0">
-                <a:solidFill>
-                  <a:srgbClr val="008000"/>
-                </a:solidFill>
-                <a:latin typeface="Cascadia Mono" panose="020B0609020000020004" pitchFamily="49" charset="0"/>
-              </a:rPr>
-              <a:t>// Then, get the eccentricity from the length of the vector in pixels to the angle that moves the eye that far</a:t>
-            </a:r>
-            <a:endParaRPr lang="en-US" sz="700" dirty="0">
-              <a:solidFill>
-                <a:srgbClr val="000000"/>
-              </a:solidFill>
-              <a:latin typeface="Cascadia Mono" panose="020B0609020000020004" pitchFamily="49" charset="0"/>
-            </a:endParaRPr>
-          </a:p>
-          <a:p>
-            <a:r>
-              <a:rPr lang="en-US" sz="700" dirty="0">
-                <a:solidFill>
-                  <a:srgbClr val="000000"/>
-                </a:solidFill>
-                <a:latin typeface="Cascadia Mono" panose="020B0609020000020004" pitchFamily="49" charset="0"/>
-              </a:rPr>
-              <a:t>                </a:t>
-            </a:r>
-            <a:r>
-              <a:rPr lang="en-US" sz="700" dirty="0">
-                <a:solidFill>
-                  <a:srgbClr val="0000FF"/>
-                </a:solidFill>
-                <a:latin typeface="Cascadia Mono" panose="020B0609020000020004" pitchFamily="49" charset="0"/>
-              </a:rPr>
-              <a:t>var</a:t>
-            </a:r>
-            <a:r>
-              <a:rPr lang="en-US" sz="700" dirty="0">
-                <a:solidFill>
-                  <a:srgbClr val="000000"/>
-                </a:solidFill>
-                <a:latin typeface="Cascadia Mono" panose="020B0609020000020004" pitchFamily="49" charset="0"/>
-              </a:rPr>
-              <a:t> </a:t>
-            </a:r>
-            <a:r>
-              <a:rPr lang="en-US" sz="700" dirty="0" err="1">
-                <a:solidFill>
-                  <a:srgbClr val="000000"/>
-                </a:solidFill>
-                <a:latin typeface="Cascadia Mono" panose="020B0609020000020004" pitchFamily="49" charset="0"/>
-              </a:rPr>
-              <a:t>ecc</a:t>
-            </a:r>
-            <a:r>
-              <a:rPr lang="en-US" sz="700" dirty="0">
-                <a:solidFill>
-                  <a:srgbClr val="000000"/>
-                </a:solidFill>
-                <a:latin typeface="Cascadia Mono" panose="020B0609020000020004" pitchFamily="49" charset="0"/>
-              </a:rPr>
-              <a:t> = </a:t>
-            </a:r>
-            <a:r>
-              <a:rPr lang="en-US" sz="700" dirty="0" err="1">
-                <a:solidFill>
-                  <a:srgbClr val="000000"/>
-                </a:solidFill>
-                <a:latin typeface="Cascadia Mono" panose="020B0609020000020004" pitchFamily="49" charset="0"/>
-              </a:rPr>
-              <a:t>Math.Asin</a:t>
-            </a:r>
-            <a:r>
-              <a:rPr lang="en-US" sz="700" dirty="0">
-                <a:solidFill>
-                  <a:srgbClr val="000000"/>
-                </a:solidFill>
-                <a:latin typeface="Cascadia Mono" panose="020B0609020000020004" pitchFamily="49" charset="0"/>
-              </a:rPr>
-              <a:t>(</a:t>
-            </a:r>
-            <a:r>
-              <a:rPr lang="en-US" sz="700" dirty="0" err="1">
-                <a:solidFill>
-                  <a:srgbClr val="000000"/>
-                </a:solidFill>
-                <a:latin typeface="Cascadia Mono" panose="020B0609020000020004" pitchFamily="49" charset="0"/>
-              </a:rPr>
-              <a:t>Math.Sqrt</a:t>
-            </a:r>
-            <a:r>
-              <a:rPr lang="en-US" sz="700" dirty="0">
-                <a:solidFill>
-                  <a:srgbClr val="000000"/>
-                </a:solidFill>
-                <a:latin typeface="Cascadia Mono" panose="020B0609020000020004" pitchFamily="49" charset="0"/>
-              </a:rPr>
-              <a:t>(</a:t>
-            </a:r>
-            <a:r>
-              <a:rPr lang="en-US" sz="700" dirty="0" err="1">
-                <a:solidFill>
-                  <a:srgbClr val="000000"/>
-                </a:solidFill>
-                <a:latin typeface="Cascadia Mono" panose="020B0609020000020004" pitchFamily="49" charset="0"/>
-              </a:rPr>
-              <a:t>yC</a:t>
-            </a:r>
-            <a:r>
-              <a:rPr lang="en-US" sz="700" dirty="0">
-                <a:solidFill>
-                  <a:srgbClr val="000000"/>
-                </a:solidFill>
-                <a:latin typeface="Cascadia Mono" panose="020B0609020000020004" pitchFamily="49" charset="0"/>
-              </a:rPr>
-              <a:t> * </a:t>
-            </a:r>
-            <a:r>
-              <a:rPr lang="en-US" sz="700" dirty="0" err="1">
-                <a:solidFill>
-                  <a:srgbClr val="000000"/>
-                </a:solidFill>
-                <a:latin typeface="Cascadia Mono" panose="020B0609020000020004" pitchFamily="49" charset="0"/>
-              </a:rPr>
-              <a:t>yC</a:t>
-            </a:r>
-            <a:r>
-              <a:rPr lang="en-US" sz="700" dirty="0">
-                <a:solidFill>
-                  <a:srgbClr val="000000"/>
-                </a:solidFill>
-                <a:latin typeface="Cascadia Mono" panose="020B0609020000020004" pitchFamily="49" charset="0"/>
-              </a:rPr>
-              <a:t> + </a:t>
-            </a:r>
-            <a:r>
-              <a:rPr lang="en-US" sz="700" dirty="0" err="1">
-                <a:solidFill>
-                  <a:srgbClr val="000000"/>
-                </a:solidFill>
-                <a:latin typeface="Cascadia Mono" panose="020B0609020000020004" pitchFamily="49" charset="0"/>
-              </a:rPr>
-              <a:t>xC</a:t>
-            </a:r>
-            <a:r>
-              <a:rPr lang="en-US" sz="700" dirty="0">
-                <a:solidFill>
-                  <a:srgbClr val="000000"/>
-                </a:solidFill>
-                <a:latin typeface="Cascadia Mono" panose="020B0609020000020004" pitchFamily="49" charset="0"/>
-              </a:rPr>
-              <a:t> * </a:t>
-            </a:r>
-            <a:r>
-              <a:rPr lang="en-US" sz="700" dirty="0" err="1">
-                <a:solidFill>
-                  <a:srgbClr val="000000"/>
-                </a:solidFill>
-                <a:latin typeface="Cascadia Mono" panose="020B0609020000020004" pitchFamily="49" charset="0"/>
-              </a:rPr>
-              <a:t>xC</a:t>
-            </a:r>
-            <a:r>
-              <a:rPr lang="en-US" sz="700" dirty="0">
-                <a:solidFill>
-                  <a:srgbClr val="000000"/>
-                </a:solidFill>
-                <a:latin typeface="Cascadia Mono" panose="020B0609020000020004" pitchFamily="49" charset="0"/>
-              </a:rPr>
-              <a:t>) / </a:t>
-            </a:r>
-            <a:r>
-              <a:rPr lang="en-US" sz="700" dirty="0" err="1">
-                <a:solidFill>
-                  <a:srgbClr val="000000"/>
-                </a:solidFill>
-                <a:latin typeface="Cascadia Mono" panose="020B0609020000020004" pitchFamily="49" charset="0"/>
-              </a:rPr>
-              <a:t>eyeModel.Radius</a:t>
-            </a:r>
-            <a:r>
-              <a:rPr lang="en-US" sz="700" dirty="0">
-                <a:solidFill>
-                  <a:srgbClr val="000000"/>
-                </a:solidFill>
-                <a:latin typeface="Cascadia Mono" panose="020B0609020000020004" pitchFamily="49" charset="0"/>
-              </a:rPr>
-              <a:t>);</a:t>
-            </a:r>
-          </a:p>
-          <a:p>
-            <a:endParaRPr lang="en-US" sz="700" dirty="0">
-              <a:solidFill>
-                <a:srgbClr val="000000"/>
-              </a:solidFill>
-              <a:latin typeface="Cascadia Mono" panose="020B0609020000020004" pitchFamily="49" charset="0"/>
-            </a:endParaRPr>
-          </a:p>
-          <a:p>
-            <a:r>
-              <a:rPr lang="en-US" sz="700" dirty="0">
-                <a:solidFill>
-                  <a:srgbClr val="000000"/>
-                </a:solidFill>
-                <a:latin typeface="Cascadia Mono" panose="020B0609020000020004" pitchFamily="49" charset="0"/>
-              </a:rPr>
-              <a:t>                </a:t>
-            </a:r>
-            <a:r>
-              <a:rPr lang="en-US" sz="700" dirty="0">
-                <a:solidFill>
-                  <a:srgbClr val="008000"/>
-                </a:solidFill>
-                <a:latin typeface="Cascadia Mono" panose="020B0609020000020004" pitchFamily="49" charset="0"/>
-              </a:rPr>
-              <a:t>// Finally get the quaternion that defines that rotation. This is a rotation without torsion in a reference frame perpendicular to the camera</a:t>
-            </a:r>
-            <a:endParaRPr lang="en-US" sz="700" dirty="0">
-              <a:solidFill>
-                <a:srgbClr val="000000"/>
-              </a:solidFill>
-              <a:latin typeface="Cascadia Mono" panose="020B0609020000020004" pitchFamily="49" charset="0"/>
-            </a:endParaRPr>
-          </a:p>
-          <a:p>
-            <a:r>
-              <a:rPr lang="en-US" sz="700" dirty="0">
-                <a:solidFill>
-                  <a:srgbClr val="000000"/>
-                </a:solidFill>
-                <a:latin typeface="Cascadia Mono" panose="020B0609020000020004" pitchFamily="49" charset="0"/>
-              </a:rPr>
-              <a:t>                </a:t>
-            </a:r>
-            <a:r>
-              <a:rPr lang="en-US" sz="700" dirty="0">
-                <a:solidFill>
-                  <a:srgbClr val="0000FF"/>
-                </a:solidFill>
-                <a:latin typeface="Cascadia Mono" panose="020B0609020000020004" pitchFamily="49" charset="0"/>
-              </a:rPr>
-              <a:t>var</a:t>
-            </a:r>
-            <a:r>
-              <a:rPr lang="en-US" sz="700" dirty="0">
-                <a:solidFill>
-                  <a:srgbClr val="000000"/>
-                </a:solidFill>
-                <a:latin typeface="Cascadia Mono" panose="020B0609020000020004" pitchFamily="49" charset="0"/>
-              </a:rPr>
-              <a:t> q = </a:t>
-            </a:r>
-            <a:r>
-              <a:rPr lang="en-US" sz="700" dirty="0">
-                <a:solidFill>
-                  <a:srgbClr val="0000FF"/>
-                </a:solidFill>
-                <a:latin typeface="Cascadia Mono" panose="020B0609020000020004" pitchFamily="49" charset="0"/>
-              </a:rPr>
-              <a:t>new</a:t>
-            </a:r>
-            <a:r>
-              <a:rPr lang="en-US" sz="700" dirty="0">
-                <a:solidFill>
-                  <a:srgbClr val="000000"/>
-                </a:solidFill>
-                <a:latin typeface="Cascadia Mono" panose="020B0609020000020004" pitchFamily="49" charset="0"/>
-              </a:rPr>
-              <a:t> Quaternions(</a:t>
-            </a:r>
-            <a:r>
-              <a:rPr lang="en-US" sz="700" dirty="0" err="1">
-                <a:solidFill>
-                  <a:srgbClr val="000000"/>
-                </a:solidFill>
-                <a:latin typeface="Cascadia Mono" panose="020B0609020000020004" pitchFamily="49" charset="0"/>
-              </a:rPr>
-              <a:t>Math.Cos</a:t>
-            </a:r>
-            <a:r>
-              <a:rPr lang="en-US" sz="700" dirty="0">
-                <a:solidFill>
-                  <a:srgbClr val="000000"/>
-                </a:solidFill>
-                <a:latin typeface="Cascadia Mono" panose="020B0609020000020004" pitchFamily="49" charset="0"/>
-              </a:rPr>
-              <a:t>(</a:t>
-            </a:r>
-            <a:r>
-              <a:rPr lang="en-US" sz="700" dirty="0" err="1">
-                <a:solidFill>
-                  <a:srgbClr val="000000"/>
-                </a:solidFill>
-                <a:latin typeface="Cascadia Mono" panose="020B0609020000020004" pitchFamily="49" charset="0"/>
-              </a:rPr>
-              <a:t>ecc</a:t>
-            </a:r>
-            <a:r>
-              <a:rPr lang="en-US" sz="700" dirty="0">
-                <a:solidFill>
-                  <a:srgbClr val="000000"/>
-                </a:solidFill>
-                <a:latin typeface="Cascadia Mono" panose="020B0609020000020004" pitchFamily="49" charset="0"/>
-              </a:rPr>
-              <a:t> / 2), -</a:t>
-            </a:r>
-            <a:r>
-              <a:rPr lang="en-US" sz="700" dirty="0" err="1">
-                <a:solidFill>
-                  <a:srgbClr val="000000"/>
-                </a:solidFill>
-                <a:latin typeface="Cascadia Mono" panose="020B0609020000020004" pitchFamily="49" charset="0"/>
-              </a:rPr>
-              <a:t>Math.Sin</a:t>
-            </a:r>
-            <a:r>
-              <a:rPr lang="en-US" sz="700" dirty="0">
-                <a:solidFill>
-                  <a:srgbClr val="000000"/>
-                </a:solidFill>
-                <a:latin typeface="Cascadia Mono" panose="020B0609020000020004" pitchFamily="49" charset="0"/>
-              </a:rPr>
-              <a:t>(angle) * </a:t>
-            </a:r>
-            <a:r>
-              <a:rPr lang="en-US" sz="700" dirty="0" err="1">
-                <a:solidFill>
-                  <a:srgbClr val="000000"/>
-                </a:solidFill>
-                <a:latin typeface="Cascadia Mono" panose="020B0609020000020004" pitchFamily="49" charset="0"/>
-              </a:rPr>
-              <a:t>Math.Sin</a:t>
-            </a:r>
-            <a:r>
-              <a:rPr lang="en-US" sz="700" dirty="0">
-                <a:solidFill>
-                  <a:srgbClr val="000000"/>
-                </a:solidFill>
-                <a:latin typeface="Cascadia Mono" panose="020B0609020000020004" pitchFamily="49" charset="0"/>
-              </a:rPr>
-              <a:t>(</a:t>
-            </a:r>
-            <a:r>
-              <a:rPr lang="en-US" sz="700" dirty="0" err="1">
-                <a:solidFill>
-                  <a:srgbClr val="000000"/>
-                </a:solidFill>
-                <a:latin typeface="Cascadia Mono" panose="020B0609020000020004" pitchFamily="49" charset="0"/>
-              </a:rPr>
-              <a:t>ecc</a:t>
-            </a:r>
-            <a:r>
-              <a:rPr lang="en-US" sz="700" dirty="0">
-                <a:solidFill>
-                  <a:srgbClr val="000000"/>
-                </a:solidFill>
-                <a:latin typeface="Cascadia Mono" panose="020B0609020000020004" pitchFamily="49" charset="0"/>
-              </a:rPr>
-              <a:t> / 2), </a:t>
-            </a:r>
-            <a:r>
-              <a:rPr lang="en-US" sz="700" dirty="0" err="1">
-                <a:solidFill>
-                  <a:srgbClr val="000000"/>
-                </a:solidFill>
-                <a:latin typeface="Cascadia Mono" panose="020B0609020000020004" pitchFamily="49" charset="0"/>
-              </a:rPr>
-              <a:t>Math.Cos</a:t>
-            </a:r>
-            <a:r>
-              <a:rPr lang="en-US" sz="700" dirty="0">
-                <a:solidFill>
-                  <a:srgbClr val="000000"/>
-                </a:solidFill>
-                <a:latin typeface="Cascadia Mono" panose="020B0609020000020004" pitchFamily="49" charset="0"/>
-              </a:rPr>
-              <a:t>(angle) * </a:t>
-            </a:r>
-            <a:r>
-              <a:rPr lang="en-US" sz="700" dirty="0" err="1">
-                <a:solidFill>
-                  <a:srgbClr val="000000"/>
-                </a:solidFill>
-                <a:latin typeface="Cascadia Mono" panose="020B0609020000020004" pitchFamily="49" charset="0"/>
-              </a:rPr>
-              <a:t>Math.Sin</a:t>
-            </a:r>
-            <a:r>
-              <a:rPr lang="en-US" sz="700" dirty="0">
-                <a:solidFill>
-                  <a:srgbClr val="000000"/>
-                </a:solidFill>
-                <a:latin typeface="Cascadia Mono" panose="020B0609020000020004" pitchFamily="49" charset="0"/>
-              </a:rPr>
-              <a:t>(</a:t>
-            </a:r>
-            <a:r>
-              <a:rPr lang="en-US" sz="700" dirty="0" err="1">
-                <a:solidFill>
-                  <a:srgbClr val="000000"/>
-                </a:solidFill>
-                <a:latin typeface="Cascadia Mono" panose="020B0609020000020004" pitchFamily="49" charset="0"/>
-              </a:rPr>
-              <a:t>ecc</a:t>
-            </a:r>
-            <a:r>
-              <a:rPr lang="en-US" sz="700" dirty="0">
-                <a:solidFill>
-                  <a:srgbClr val="000000"/>
-                </a:solidFill>
-                <a:latin typeface="Cascadia Mono" panose="020B0609020000020004" pitchFamily="49" charset="0"/>
-              </a:rPr>
-              <a:t> / 2), 0);</a:t>
-            </a:r>
-            <a:endParaRPr lang="en-US" sz="700" dirty="0"/>
-          </a:p>
-        </p:txBody>
-      </p:sp>
-    </p:spTree>
-    <p:extLst>
-      <p:ext uri="{BB962C8B-B14F-4D97-AF65-F5344CB8AC3E}">
-        <p14:creationId xmlns:p14="http://schemas.microsoft.com/office/powerpoint/2010/main" val="3341035362"/>
-      </p:ext>
-    </p:extLst>
-  </p:cSld>
-  <p:clrMapOvr>
-    <a:masterClrMapping/>
-  </p:clrMapOvr>
-</p:sld>
-</file>
-
 <file path=ppt/slides/slide5.xml><?xml version="1.0" encoding="utf-8"?>
 <p:sld xmlns:a="http://schemas.openxmlformats.org/drawingml/2006/main" xmlns:r="http://schemas.openxmlformats.org/officeDocument/2006/relationships" xmlns:p="http://schemas.openxmlformats.org/presentationml/2006/main">
   <p:cSld>
@@ -5476,6 +4693,957 @@
           <p:cNvPr id="2" name="Title 1">
             <a:extLst>
               <a:ext uri="{FF2B5EF4-FFF2-40B4-BE49-F238E27FC236}">
+                <a16:creationId xmlns:a16="http://schemas.microsoft.com/office/drawing/2014/main" id="{AD55B07D-99FA-8309-7A2A-272BD947B2D8}"/>
+              </a:ext>
+            </a:extLst>
+          </p:cNvPr>
+          <p:cNvSpPr>
+            <a:spLocks noGrp="1"/>
+          </p:cNvSpPr>
+          <p:nvPr>
+            <p:ph type="title"/>
+          </p:nvPr>
+        </p:nvSpPr>
+        <p:spPr/>
+        <p:txBody>
+          <a:bodyPr/>
+          <a:lstStyle/>
+          <a:p>
+            <a:r>
+              <a:rPr lang="en-US" sz="4400" b="0" i="0" dirty="0" err="1">
+                <a:effectLst/>
+                <a:latin typeface="Menlo"/>
+              </a:rPr>
+              <a:t>CalculateEyeRotationQuaternion</a:t>
+            </a:r>
+            <a:r>
+              <a:rPr lang="en-US" dirty="0" err="1">
+                <a:latin typeface="Menlo"/>
+              </a:rPr>
+              <a:t>.m</a:t>
+            </a:r>
+            <a:endParaRPr lang="en-US" dirty="0"/>
+          </a:p>
+        </p:txBody>
+      </p:sp>
+      <p:sp>
+        <p:nvSpPr>
+          <p:cNvPr id="3" name="Content Placeholder 2">
+            <a:extLst>
+              <a:ext uri="{FF2B5EF4-FFF2-40B4-BE49-F238E27FC236}">
+                <a16:creationId xmlns:a16="http://schemas.microsoft.com/office/drawing/2014/main" id="{0E251E44-EC7D-1CC9-CDA5-853589B0A314}"/>
+              </a:ext>
+            </a:extLst>
+          </p:cNvPr>
+          <p:cNvSpPr>
+            <a:spLocks noGrp="1"/>
+          </p:cNvSpPr>
+          <p:nvPr>
+            <p:ph idx="1"/>
+          </p:nvPr>
+        </p:nvSpPr>
+        <p:spPr/>
+        <p:txBody>
+          <a:bodyPr/>
+          <a:lstStyle/>
+          <a:p>
+            <a:r>
+              <a:rPr lang="en-US" dirty="0"/>
+              <a:t>Seems like q is being actually calculated in a left handed reference frame </a:t>
+            </a:r>
+          </a:p>
+          <a:p>
+            <a:endParaRPr lang="en-US" dirty="0"/>
+          </a:p>
+          <a:p>
+            <a:r>
+              <a:rPr lang="en-US" sz="1800" b="0" i="0" dirty="0">
+                <a:effectLst/>
+                <a:latin typeface="Menlo"/>
+              </a:rPr>
+              <a:t>q3 = -sin(angle)* sin(</a:t>
+            </a:r>
+            <a:r>
+              <a:rPr lang="en-US" sz="1800" b="0" i="0" dirty="0" err="1">
+                <a:effectLst/>
+                <a:latin typeface="Menlo"/>
+              </a:rPr>
+              <a:t>ecc</a:t>
+            </a:r>
+            <a:r>
+              <a:rPr lang="en-US" sz="1800" b="0" i="0" dirty="0">
+                <a:effectLst/>
+                <a:latin typeface="Menlo"/>
+              </a:rPr>
+              <a:t>/2); </a:t>
+            </a:r>
+          </a:p>
+          <a:p>
+            <a:endParaRPr lang="en-US" sz="1800" dirty="0">
+              <a:latin typeface="Menlo"/>
+            </a:endParaRPr>
+          </a:p>
+          <a:p>
+            <a:r>
+              <a:rPr lang="en-US" sz="1800" b="0" i="0" dirty="0">
+                <a:effectLst/>
+                <a:latin typeface="Menlo"/>
+              </a:rPr>
+              <a:t>should be q3 = sin(angle)* sin(</a:t>
+            </a:r>
+            <a:r>
+              <a:rPr lang="en-US" sz="1800" b="0" i="0" dirty="0" err="1">
+                <a:effectLst/>
+                <a:latin typeface="Menlo"/>
+              </a:rPr>
+              <a:t>ecc</a:t>
+            </a:r>
+            <a:r>
+              <a:rPr lang="en-US" sz="1800" b="0" i="0" dirty="0">
+                <a:effectLst/>
+                <a:latin typeface="Menlo"/>
+              </a:rPr>
+              <a:t>/2);</a:t>
+            </a:r>
+          </a:p>
+          <a:p>
+            <a:endParaRPr lang="en-US" sz="1800" b="0" i="0" dirty="0">
+              <a:effectLst/>
+              <a:latin typeface="Menlo"/>
+            </a:endParaRPr>
+          </a:p>
+          <a:p>
+            <a:r>
+              <a:rPr lang="en-US" sz="1800" dirty="0">
+                <a:latin typeface="Menlo"/>
+              </a:rPr>
+              <a:t>That however matches what </a:t>
+            </a:r>
+            <a:r>
+              <a:rPr lang="en-US" sz="1800" dirty="0" err="1">
+                <a:latin typeface="Menlo"/>
+              </a:rPr>
+              <a:t>openiris</a:t>
+            </a:r>
+            <a:r>
+              <a:rPr lang="en-US" sz="1800" dirty="0">
+                <a:latin typeface="Menlo"/>
+              </a:rPr>
+              <a:t> is doing. </a:t>
+            </a:r>
+            <a:endParaRPr lang="en-US" sz="1800" b="0" i="0" dirty="0">
+              <a:effectLst/>
+              <a:latin typeface="Menlo"/>
+            </a:endParaRPr>
+          </a:p>
+        </p:txBody>
+      </p:sp>
+      <p:sp>
+        <p:nvSpPr>
+          <p:cNvPr id="5" name="TextBox 4">
+            <a:extLst>
+              <a:ext uri="{FF2B5EF4-FFF2-40B4-BE49-F238E27FC236}">
+                <a16:creationId xmlns:a16="http://schemas.microsoft.com/office/drawing/2014/main" id="{59BFA73E-A961-E574-FACC-2D811AD60DF4}"/>
+              </a:ext>
+            </a:extLst>
+          </p:cNvPr>
+          <p:cNvSpPr txBox="1"/>
+          <p:nvPr/>
+        </p:nvSpPr>
+        <p:spPr>
+          <a:xfrm>
+            <a:off x="3411416" y="5140568"/>
+            <a:ext cx="7514492" cy="1492716"/>
+          </a:xfrm>
+          <a:prstGeom prst="rect">
+            <a:avLst/>
+          </a:prstGeom>
+          <a:noFill/>
+        </p:spPr>
+        <p:txBody>
+          <a:bodyPr wrap="square">
+            <a:spAutoFit/>
+          </a:bodyPr>
+          <a:lstStyle/>
+          <a:p>
+            <a:r>
+              <a:rPr lang="en-US" sz="700" dirty="0">
+                <a:solidFill>
+                  <a:srgbClr val="000000"/>
+                </a:solidFill>
+                <a:latin typeface="Cascadia Mono" panose="020B0609020000020004" pitchFamily="49" charset="0"/>
+              </a:rPr>
+              <a:t> </a:t>
+            </a:r>
+            <a:r>
+              <a:rPr lang="en-US" sz="700" dirty="0">
+                <a:solidFill>
+                  <a:srgbClr val="008000"/>
+                </a:solidFill>
+                <a:latin typeface="Cascadia Mono" panose="020B0609020000020004" pitchFamily="49" charset="0"/>
+              </a:rPr>
+              <a:t>// quaternion defining the rotation of the eyeball (ignoring torsion) just the center of the pupil</a:t>
+            </a:r>
+            <a:endParaRPr lang="en-US" sz="700" dirty="0">
+              <a:solidFill>
+                <a:srgbClr val="000000"/>
+              </a:solidFill>
+              <a:latin typeface="Cascadia Mono" panose="020B0609020000020004" pitchFamily="49" charset="0"/>
+            </a:endParaRPr>
+          </a:p>
+          <a:p>
+            <a:r>
+              <a:rPr lang="en-US" sz="700" dirty="0">
+                <a:solidFill>
+                  <a:srgbClr val="000000"/>
+                </a:solidFill>
+                <a:latin typeface="Cascadia Mono" panose="020B0609020000020004" pitchFamily="49" charset="0"/>
+              </a:rPr>
+              <a:t>                </a:t>
+            </a:r>
+            <a:r>
+              <a:rPr lang="en-US" sz="700" dirty="0">
+                <a:solidFill>
+                  <a:srgbClr val="0000FF"/>
+                </a:solidFill>
+                <a:latin typeface="Cascadia Mono" panose="020B0609020000020004" pitchFamily="49" charset="0"/>
+              </a:rPr>
+              <a:t>var</a:t>
+            </a:r>
+            <a:r>
+              <a:rPr lang="en-US" sz="700" dirty="0">
+                <a:solidFill>
+                  <a:srgbClr val="000000"/>
+                </a:solidFill>
+                <a:latin typeface="Cascadia Mono" panose="020B0609020000020004" pitchFamily="49" charset="0"/>
+              </a:rPr>
+              <a:t> </a:t>
+            </a:r>
+            <a:r>
+              <a:rPr lang="en-US" sz="700" dirty="0" err="1">
+                <a:solidFill>
+                  <a:srgbClr val="000000"/>
+                </a:solidFill>
+                <a:latin typeface="Cascadia Mono" panose="020B0609020000020004" pitchFamily="49" charset="0"/>
+              </a:rPr>
+              <a:t>yC</a:t>
+            </a:r>
+            <a:r>
+              <a:rPr lang="en-US" sz="700" dirty="0">
+                <a:solidFill>
+                  <a:srgbClr val="000000"/>
+                </a:solidFill>
+                <a:latin typeface="Cascadia Mono" panose="020B0609020000020004" pitchFamily="49" charset="0"/>
+              </a:rPr>
+              <a:t> = </a:t>
+            </a:r>
+            <a:r>
+              <a:rPr lang="en-US" sz="700" dirty="0" err="1">
+                <a:solidFill>
+                  <a:srgbClr val="000000"/>
+                </a:solidFill>
+                <a:latin typeface="Cascadia Mono" panose="020B0609020000020004" pitchFamily="49" charset="0"/>
+              </a:rPr>
+              <a:t>iris.Center.Y</a:t>
+            </a:r>
+            <a:r>
+              <a:rPr lang="en-US" sz="700" dirty="0">
+                <a:solidFill>
+                  <a:srgbClr val="000000"/>
+                </a:solidFill>
+                <a:latin typeface="Cascadia Mono" panose="020B0609020000020004" pitchFamily="49" charset="0"/>
+              </a:rPr>
+              <a:t> - </a:t>
+            </a:r>
+            <a:r>
+              <a:rPr lang="en-US" sz="700" dirty="0" err="1">
+                <a:solidFill>
+                  <a:srgbClr val="000000"/>
+                </a:solidFill>
+                <a:latin typeface="Cascadia Mono" panose="020B0609020000020004" pitchFamily="49" charset="0"/>
+              </a:rPr>
+              <a:t>eyeModel.Center.Y</a:t>
+            </a:r>
+            <a:r>
+              <a:rPr lang="en-US" sz="700" dirty="0">
+                <a:solidFill>
+                  <a:srgbClr val="000000"/>
+                </a:solidFill>
+                <a:latin typeface="Cascadia Mono" panose="020B0609020000020004" pitchFamily="49" charset="0"/>
+              </a:rPr>
+              <a:t>;</a:t>
+            </a:r>
+          </a:p>
+          <a:p>
+            <a:r>
+              <a:rPr lang="en-US" sz="700" dirty="0">
+                <a:solidFill>
+                  <a:srgbClr val="000000"/>
+                </a:solidFill>
+                <a:latin typeface="Cascadia Mono" panose="020B0609020000020004" pitchFamily="49" charset="0"/>
+              </a:rPr>
+              <a:t>                </a:t>
+            </a:r>
+            <a:r>
+              <a:rPr lang="en-US" sz="700" dirty="0">
+                <a:solidFill>
+                  <a:srgbClr val="0000FF"/>
+                </a:solidFill>
+                <a:latin typeface="Cascadia Mono" panose="020B0609020000020004" pitchFamily="49" charset="0"/>
+              </a:rPr>
+              <a:t>var</a:t>
+            </a:r>
+            <a:r>
+              <a:rPr lang="en-US" sz="700" dirty="0">
+                <a:solidFill>
+                  <a:srgbClr val="000000"/>
+                </a:solidFill>
+                <a:latin typeface="Cascadia Mono" panose="020B0609020000020004" pitchFamily="49" charset="0"/>
+              </a:rPr>
+              <a:t> </a:t>
+            </a:r>
+            <a:r>
+              <a:rPr lang="en-US" sz="700" dirty="0" err="1">
+                <a:solidFill>
+                  <a:srgbClr val="000000"/>
+                </a:solidFill>
+                <a:latin typeface="Cascadia Mono" panose="020B0609020000020004" pitchFamily="49" charset="0"/>
+              </a:rPr>
+              <a:t>xC</a:t>
+            </a:r>
+            <a:r>
+              <a:rPr lang="en-US" sz="700" dirty="0">
+                <a:solidFill>
+                  <a:srgbClr val="000000"/>
+                </a:solidFill>
+                <a:latin typeface="Cascadia Mono" panose="020B0609020000020004" pitchFamily="49" charset="0"/>
+              </a:rPr>
+              <a:t> = </a:t>
+            </a:r>
+            <a:r>
+              <a:rPr lang="en-US" sz="700" dirty="0" err="1">
+                <a:solidFill>
+                  <a:srgbClr val="000000"/>
+                </a:solidFill>
+                <a:latin typeface="Cascadia Mono" panose="020B0609020000020004" pitchFamily="49" charset="0"/>
+              </a:rPr>
+              <a:t>iris.Center.X</a:t>
+            </a:r>
+            <a:r>
+              <a:rPr lang="en-US" sz="700" dirty="0">
+                <a:solidFill>
+                  <a:srgbClr val="000000"/>
+                </a:solidFill>
+                <a:latin typeface="Cascadia Mono" panose="020B0609020000020004" pitchFamily="49" charset="0"/>
+              </a:rPr>
+              <a:t> - </a:t>
+            </a:r>
+            <a:r>
+              <a:rPr lang="en-US" sz="700" dirty="0" err="1">
+                <a:solidFill>
+                  <a:srgbClr val="000000"/>
+                </a:solidFill>
+                <a:latin typeface="Cascadia Mono" panose="020B0609020000020004" pitchFamily="49" charset="0"/>
+              </a:rPr>
+              <a:t>eyeModel.Center.X</a:t>
+            </a:r>
+            <a:r>
+              <a:rPr lang="en-US" sz="700" dirty="0">
+                <a:solidFill>
+                  <a:srgbClr val="000000"/>
+                </a:solidFill>
+                <a:latin typeface="Cascadia Mono" panose="020B0609020000020004" pitchFamily="49" charset="0"/>
+              </a:rPr>
+              <a:t>;</a:t>
+            </a:r>
+          </a:p>
+          <a:p>
+            <a:endParaRPr lang="en-US" sz="700" dirty="0">
+              <a:solidFill>
+                <a:srgbClr val="000000"/>
+              </a:solidFill>
+              <a:latin typeface="Cascadia Mono" panose="020B0609020000020004" pitchFamily="49" charset="0"/>
+            </a:endParaRPr>
+          </a:p>
+          <a:p>
+            <a:r>
+              <a:rPr lang="en-US" sz="700" dirty="0">
+                <a:solidFill>
+                  <a:srgbClr val="000000"/>
+                </a:solidFill>
+                <a:latin typeface="Cascadia Mono" panose="020B0609020000020004" pitchFamily="49" charset="0"/>
+              </a:rPr>
+              <a:t>                </a:t>
+            </a:r>
+            <a:r>
+              <a:rPr lang="en-US" sz="700" dirty="0">
+                <a:solidFill>
+                  <a:srgbClr val="008000"/>
+                </a:solidFill>
+                <a:latin typeface="Cascadia Mono" panose="020B0609020000020004" pitchFamily="49" charset="0"/>
+              </a:rPr>
+              <a:t>// First get the polar angle of the rotation. As the direction angle the eye moves from eye model center</a:t>
+            </a:r>
+            <a:endParaRPr lang="en-US" sz="700" dirty="0">
+              <a:solidFill>
+                <a:srgbClr val="000000"/>
+              </a:solidFill>
+              <a:latin typeface="Cascadia Mono" panose="020B0609020000020004" pitchFamily="49" charset="0"/>
+            </a:endParaRPr>
+          </a:p>
+          <a:p>
+            <a:r>
+              <a:rPr lang="en-US" sz="700" dirty="0">
+                <a:solidFill>
+                  <a:srgbClr val="000000"/>
+                </a:solidFill>
+                <a:latin typeface="Cascadia Mono" panose="020B0609020000020004" pitchFamily="49" charset="0"/>
+              </a:rPr>
+              <a:t>                </a:t>
+            </a:r>
+            <a:r>
+              <a:rPr lang="en-US" sz="700" dirty="0">
+                <a:solidFill>
+                  <a:srgbClr val="008000"/>
+                </a:solidFill>
+                <a:latin typeface="Cascadia Mono" panose="020B0609020000020004" pitchFamily="49" charset="0"/>
+              </a:rPr>
+              <a:t>// to iris center.</a:t>
+            </a:r>
+            <a:endParaRPr lang="en-US" sz="700" dirty="0">
+              <a:solidFill>
+                <a:srgbClr val="000000"/>
+              </a:solidFill>
+              <a:latin typeface="Cascadia Mono" panose="020B0609020000020004" pitchFamily="49" charset="0"/>
+            </a:endParaRPr>
+          </a:p>
+          <a:p>
+            <a:r>
+              <a:rPr lang="en-US" sz="700" dirty="0">
+                <a:solidFill>
+                  <a:srgbClr val="000000"/>
+                </a:solidFill>
+                <a:latin typeface="Cascadia Mono" panose="020B0609020000020004" pitchFamily="49" charset="0"/>
+              </a:rPr>
+              <a:t>                </a:t>
+            </a:r>
+            <a:r>
+              <a:rPr lang="en-US" sz="700" dirty="0">
+                <a:solidFill>
+                  <a:srgbClr val="0000FF"/>
+                </a:solidFill>
+                <a:latin typeface="Cascadia Mono" panose="020B0609020000020004" pitchFamily="49" charset="0"/>
+              </a:rPr>
+              <a:t>var</a:t>
+            </a:r>
+            <a:r>
+              <a:rPr lang="en-US" sz="700" dirty="0">
+                <a:solidFill>
+                  <a:srgbClr val="000000"/>
+                </a:solidFill>
+                <a:latin typeface="Cascadia Mono" panose="020B0609020000020004" pitchFamily="49" charset="0"/>
+              </a:rPr>
+              <a:t> angle = Math.Atan2(</a:t>
+            </a:r>
+            <a:r>
+              <a:rPr lang="en-US" sz="700" dirty="0" err="1">
+                <a:solidFill>
+                  <a:srgbClr val="000000"/>
+                </a:solidFill>
+                <a:latin typeface="Cascadia Mono" panose="020B0609020000020004" pitchFamily="49" charset="0"/>
+              </a:rPr>
+              <a:t>yC</a:t>
+            </a:r>
+            <a:r>
+              <a:rPr lang="en-US" sz="700" dirty="0">
+                <a:solidFill>
+                  <a:srgbClr val="000000"/>
+                </a:solidFill>
+                <a:latin typeface="Cascadia Mono" panose="020B0609020000020004" pitchFamily="49" charset="0"/>
+              </a:rPr>
+              <a:t>, </a:t>
+            </a:r>
+            <a:r>
+              <a:rPr lang="en-US" sz="700" dirty="0" err="1">
+                <a:solidFill>
+                  <a:srgbClr val="000000"/>
+                </a:solidFill>
+                <a:latin typeface="Cascadia Mono" panose="020B0609020000020004" pitchFamily="49" charset="0"/>
+              </a:rPr>
+              <a:t>xC</a:t>
+            </a:r>
+            <a:r>
+              <a:rPr lang="en-US" sz="700" dirty="0">
+                <a:solidFill>
+                  <a:srgbClr val="000000"/>
+                </a:solidFill>
+                <a:latin typeface="Cascadia Mono" panose="020B0609020000020004" pitchFamily="49" charset="0"/>
+              </a:rPr>
+              <a:t>);</a:t>
+            </a:r>
+          </a:p>
+          <a:p>
+            <a:r>
+              <a:rPr lang="en-US" sz="700" dirty="0">
+                <a:solidFill>
+                  <a:srgbClr val="000000"/>
+                </a:solidFill>
+                <a:latin typeface="Cascadia Mono" panose="020B0609020000020004" pitchFamily="49" charset="0"/>
+              </a:rPr>
+              <a:t>                </a:t>
+            </a:r>
+            <a:r>
+              <a:rPr lang="en-US" sz="700" dirty="0">
+                <a:solidFill>
+                  <a:srgbClr val="008000"/>
+                </a:solidFill>
+                <a:latin typeface="Cascadia Mono" panose="020B0609020000020004" pitchFamily="49" charset="0"/>
+              </a:rPr>
+              <a:t>// Then, get the eccentricity from the length of the vector in pixels to the angle that moves the eye that far</a:t>
+            </a:r>
+            <a:endParaRPr lang="en-US" sz="700" dirty="0">
+              <a:solidFill>
+                <a:srgbClr val="000000"/>
+              </a:solidFill>
+              <a:latin typeface="Cascadia Mono" panose="020B0609020000020004" pitchFamily="49" charset="0"/>
+            </a:endParaRPr>
+          </a:p>
+          <a:p>
+            <a:r>
+              <a:rPr lang="en-US" sz="700" dirty="0">
+                <a:solidFill>
+                  <a:srgbClr val="000000"/>
+                </a:solidFill>
+                <a:latin typeface="Cascadia Mono" panose="020B0609020000020004" pitchFamily="49" charset="0"/>
+              </a:rPr>
+              <a:t>                </a:t>
+            </a:r>
+            <a:r>
+              <a:rPr lang="en-US" sz="700" dirty="0">
+                <a:solidFill>
+                  <a:srgbClr val="0000FF"/>
+                </a:solidFill>
+                <a:latin typeface="Cascadia Mono" panose="020B0609020000020004" pitchFamily="49" charset="0"/>
+              </a:rPr>
+              <a:t>var</a:t>
+            </a:r>
+            <a:r>
+              <a:rPr lang="en-US" sz="700" dirty="0">
+                <a:solidFill>
+                  <a:srgbClr val="000000"/>
+                </a:solidFill>
+                <a:latin typeface="Cascadia Mono" panose="020B0609020000020004" pitchFamily="49" charset="0"/>
+              </a:rPr>
+              <a:t> </a:t>
+            </a:r>
+            <a:r>
+              <a:rPr lang="en-US" sz="700" dirty="0" err="1">
+                <a:solidFill>
+                  <a:srgbClr val="000000"/>
+                </a:solidFill>
+                <a:latin typeface="Cascadia Mono" panose="020B0609020000020004" pitchFamily="49" charset="0"/>
+              </a:rPr>
+              <a:t>ecc</a:t>
+            </a:r>
+            <a:r>
+              <a:rPr lang="en-US" sz="700" dirty="0">
+                <a:solidFill>
+                  <a:srgbClr val="000000"/>
+                </a:solidFill>
+                <a:latin typeface="Cascadia Mono" panose="020B0609020000020004" pitchFamily="49" charset="0"/>
+              </a:rPr>
+              <a:t> = </a:t>
+            </a:r>
+            <a:r>
+              <a:rPr lang="en-US" sz="700" dirty="0" err="1">
+                <a:solidFill>
+                  <a:srgbClr val="000000"/>
+                </a:solidFill>
+                <a:latin typeface="Cascadia Mono" panose="020B0609020000020004" pitchFamily="49" charset="0"/>
+              </a:rPr>
+              <a:t>Math.Asin</a:t>
+            </a:r>
+            <a:r>
+              <a:rPr lang="en-US" sz="700" dirty="0">
+                <a:solidFill>
+                  <a:srgbClr val="000000"/>
+                </a:solidFill>
+                <a:latin typeface="Cascadia Mono" panose="020B0609020000020004" pitchFamily="49" charset="0"/>
+              </a:rPr>
+              <a:t>(</a:t>
+            </a:r>
+            <a:r>
+              <a:rPr lang="en-US" sz="700" dirty="0" err="1">
+                <a:solidFill>
+                  <a:srgbClr val="000000"/>
+                </a:solidFill>
+                <a:latin typeface="Cascadia Mono" panose="020B0609020000020004" pitchFamily="49" charset="0"/>
+              </a:rPr>
+              <a:t>Math.Sqrt</a:t>
+            </a:r>
+            <a:r>
+              <a:rPr lang="en-US" sz="700" dirty="0">
+                <a:solidFill>
+                  <a:srgbClr val="000000"/>
+                </a:solidFill>
+                <a:latin typeface="Cascadia Mono" panose="020B0609020000020004" pitchFamily="49" charset="0"/>
+              </a:rPr>
+              <a:t>(</a:t>
+            </a:r>
+            <a:r>
+              <a:rPr lang="en-US" sz="700" dirty="0" err="1">
+                <a:solidFill>
+                  <a:srgbClr val="000000"/>
+                </a:solidFill>
+                <a:latin typeface="Cascadia Mono" panose="020B0609020000020004" pitchFamily="49" charset="0"/>
+              </a:rPr>
+              <a:t>yC</a:t>
+            </a:r>
+            <a:r>
+              <a:rPr lang="en-US" sz="700" dirty="0">
+                <a:solidFill>
+                  <a:srgbClr val="000000"/>
+                </a:solidFill>
+                <a:latin typeface="Cascadia Mono" panose="020B0609020000020004" pitchFamily="49" charset="0"/>
+              </a:rPr>
+              <a:t> * </a:t>
+            </a:r>
+            <a:r>
+              <a:rPr lang="en-US" sz="700" dirty="0" err="1">
+                <a:solidFill>
+                  <a:srgbClr val="000000"/>
+                </a:solidFill>
+                <a:latin typeface="Cascadia Mono" panose="020B0609020000020004" pitchFamily="49" charset="0"/>
+              </a:rPr>
+              <a:t>yC</a:t>
+            </a:r>
+            <a:r>
+              <a:rPr lang="en-US" sz="700" dirty="0">
+                <a:solidFill>
+                  <a:srgbClr val="000000"/>
+                </a:solidFill>
+                <a:latin typeface="Cascadia Mono" panose="020B0609020000020004" pitchFamily="49" charset="0"/>
+              </a:rPr>
+              <a:t> + </a:t>
+            </a:r>
+            <a:r>
+              <a:rPr lang="en-US" sz="700" dirty="0" err="1">
+                <a:solidFill>
+                  <a:srgbClr val="000000"/>
+                </a:solidFill>
+                <a:latin typeface="Cascadia Mono" panose="020B0609020000020004" pitchFamily="49" charset="0"/>
+              </a:rPr>
+              <a:t>xC</a:t>
+            </a:r>
+            <a:r>
+              <a:rPr lang="en-US" sz="700" dirty="0">
+                <a:solidFill>
+                  <a:srgbClr val="000000"/>
+                </a:solidFill>
+                <a:latin typeface="Cascadia Mono" panose="020B0609020000020004" pitchFamily="49" charset="0"/>
+              </a:rPr>
+              <a:t> * </a:t>
+            </a:r>
+            <a:r>
+              <a:rPr lang="en-US" sz="700" dirty="0" err="1">
+                <a:solidFill>
+                  <a:srgbClr val="000000"/>
+                </a:solidFill>
+                <a:latin typeface="Cascadia Mono" panose="020B0609020000020004" pitchFamily="49" charset="0"/>
+              </a:rPr>
+              <a:t>xC</a:t>
+            </a:r>
+            <a:r>
+              <a:rPr lang="en-US" sz="700" dirty="0">
+                <a:solidFill>
+                  <a:srgbClr val="000000"/>
+                </a:solidFill>
+                <a:latin typeface="Cascadia Mono" panose="020B0609020000020004" pitchFamily="49" charset="0"/>
+              </a:rPr>
+              <a:t>) / </a:t>
+            </a:r>
+            <a:r>
+              <a:rPr lang="en-US" sz="700" dirty="0" err="1">
+                <a:solidFill>
+                  <a:srgbClr val="000000"/>
+                </a:solidFill>
+                <a:latin typeface="Cascadia Mono" panose="020B0609020000020004" pitchFamily="49" charset="0"/>
+              </a:rPr>
+              <a:t>eyeModel.Radius</a:t>
+            </a:r>
+            <a:r>
+              <a:rPr lang="en-US" sz="700" dirty="0">
+                <a:solidFill>
+                  <a:srgbClr val="000000"/>
+                </a:solidFill>
+                <a:latin typeface="Cascadia Mono" panose="020B0609020000020004" pitchFamily="49" charset="0"/>
+              </a:rPr>
+              <a:t>);</a:t>
+            </a:r>
+          </a:p>
+          <a:p>
+            <a:endParaRPr lang="en-US" sz="700" dirty="0">
+              <a:solidFill>
+                <a:srgbClr val="000000"/>
+              </a:solidFill>
+              <a:latin typeface="Cascadia Mono" panose="020B0609020000020004" pitchFamily="49" charset="0"/>
+            </a:endParaRPr>
+          </a:p>
+          <a:p>
+            <a:r>
+              <a:rPr lang="en-US" sz="700" dirty="0">
+                <a:solidFill>
+                  <a:srgbClr val="000000"/>
+                </a:solidFill>
+                <a:latin typeface="Cascadia Mono" panose="020B0609020000020004" pitchFamily="49" charset="0"/>
+              </a:rPr>
+              <a:t>                </a:t>
+            </a:r>
+            <a:r>
+              <a:rPr lang="en-US" sz="700" dirty="0">
+                <a:solidFill>
+                  <a:srgbClr val="008000"/>
+                </a:solidFill>
+                <a:latin typeface="Cascadia Mono" panose="020B0609020000020004" pitchFamily="49" charset="0"/>
+              </a:rPr>
+              <a:t>// Finally get the quaternion that defines that rotation. This is a rotation without torsion in a reference frame perpendicular to the camera</a:t>
+            </a:r>
+            <a:endParaRPr lang="en-US" sz="700" dirty="0">
+              <a:solidFill>
+                <a:srgbClr val="000000"/>
+              </a:solidFill>
+              <a:latin typeface="Cascadia Mono" panose="020B0609020000020004" pitchFamily="49" charset="0"/>
+            </a:endParaRPr>
+          </a:p>
+          <a:p>
+            <a:r>
+              <a:rPr lang="en-US" sz="700" dirty="0">
+                <a:solidFill>
+                  <a:srgbClr val="000000"/>
+                </a:solidFill>
+                <a:latin typeface="Cascadia Mono" panose="020B0609020000020004" pitchFamily="49" charset="0"/>
+              </a:rPr>
+              <a:t>                </a:t>
+            </a:r>
+            <a:r>
+              <a:rPr lang="en-US" sz="700" dirty="0">
+                <a:solidFill>
+                  <a:srgbClr val="0000FF"/>
+                </a:solidFill>
+                <a:latin typeface="Cascadia Mono" panose="020B0609020000020004" pitchFamily="49" charset="0"/>
+              </a:rPr>
+              <a:t>var</a:t>
+            </a:r>
+            <a:r>
+              <a:rPr lang="en-US" sz="700" dirty="0">
+                <a:solidFill>
+                  <a:srgbClr val="000000"/>
+                </a:solidFill>
+                <a:latin typeface="Cascadia Mono" panose="020B0609020000020004" pitchFamily="49" charset="0"/>
+              </a:rPr>
+              <a:t> q = </a:t>
+            </a:r>
+            <a:r>
+              <a:rPr lang="en-US" sz="700" dirty="0">
+                <a:solidFill>
+                  <a:srgbClr val="0000FF"/>
+                </a:solidFill>
+                <a:latin typeface="Cascadia Mono" panose="020B0609020000020004" pitchFamily="49" charset="0"/>
+              </a:rPr>
+              <a:t>new</a:t>
+            </a:r>
+            <a:r>
+              <a:rPr lang="en-US" sz="700" dirty="0">
+                <a:solidFill>
+                  <a:srgbClr val="000000"/>
+                </a:solidFill>
+                <a:latin typeface="Cascadia Mono" panose="020B0609020000020004" pitchFamily="49" charset="0"/>
+              </a:rPr>
+              <a:t> Quaternions(</a:t>
+            </a:r>
+            <a:r>
+              <a:rPr lang="en-US" sz="700" dirty="0" err="1">
+                <a:solidFill>
+                  <a:srgbClr val="000000"/>
+                </a:solidFill>
+                <a:latin typeface="Cascadia Mono" panose="020B0609020000020004" pitchFamily="49" charset="0"/>
+              </a:rPr>
+              <a:t>Math.Cos</a:t>
+            </a:r>
+            <a:r>
+              <a:rPr lang="en-US" sz="700" dirty="0">
+                <a:solidFill>
+                  <a:srgbClr val="000000"/>
+                </a:solidFill>
+                <a:latin typeface="Cascadia Mono" panose="020B0609020000020004" pitchFamily="49" charset="0"/>
+              </a:rPr>
+              <a:t>(</a:t>
+            </a:r>
+            <a:r>
+              <a:rPr lang="en-US" sz="700" dirty="0" err="1">
+                <a:solidFill>
+                  <a:srgbClr val="000000"/>
+                </a:solidFill>
+                <a:latin typeface="Cascadia Mono" panose="020B0609020000020004" pitchFamily="49" charset="0"/>
+              </a:rPr>
+              <a:t>ecc</a:t>
+            </a:r>
+            <a:r>
+              <a:rPr lang="en-US" sz="700" dirty="0">
+                <a:solidFill>
+                  <a:srgbClr val="000000"/>
+                </a:solidFill>
+                <a:latin typeface="Cascadia Mono" panose="020B0609020000020004" pitchFamily="49" charset="0"/>
+              </a:rPr>
+              <a:t> / 2), -</a:t>
+            </a:r>
+            <a:r>
+              <a:rPr lang="en-US" sz="700" dirty="0" err="1">
+                <a:solidFill>
+                  <a:srgbClr val="000000"/>
+                </a:solidFill>
+                <a:latin typeface="Cascadia Mono" panose="020B0609020000020004" pitchFamily="49" charset="0"/>
+              </a:rPr>
+              <a:t>Math.Sin</a:t>
+            </a:r>
+            <a:r>
+              <a:rPr lang="en-US" sz="700" dirty="0">
+                <a:solidFill>
+                  <a:srgbClr val="000000"/>
+                </a:solidFill>
+                <a:latin typeface="Cascadia Mono" panose="020B0609020000020004" pitchFamily="49" charset="0"/>
+              </a:rPr>
+              <a:t>(angle) * </a:t>
+            </a:r>
+            <a:r>
+              <a:rPr lang="en-US" sz="700" dirty="0" err="1">
+                <a:solidFill>
+                  <a:srgbClr val="000000"/>
+                </a:solidFill>
+                <a:latin typeface="Cascadia Mono" panose="020B0609020000020004" pitchFamily="49" charset="0"/>
+              </a:rPr>
+              <a:t>Math.Sin</a:t>
+            </a:r>
+            <a:r>
+              <a:rPr lang="en-US" sz="700" dirty="0">
+                <a:solidFill>
+                  <a:srgbClr val="000000"/>
+                </a:solidFill>
+                <a:latin typeface="Cascadia Mono" panose="020B0609020000020004" pitchFamily="49" charset="0"/>
+              </a:rPr>
+              <a:t>(</a:t>
+            </a:r>
+            <a:r>
+              <a:rPr lang="en-US" sz="700" dirty="0" err="1">
+                <a:solidFill>
+                  <a:srgbClr val="000000"/>
+                </a:solidFill>
+                <a:latin typeface="Cascadia Mono" panose="020B0609020000020004" pitchFamily="49" charset="0"/>
+              </a:rPr>
+              <a:t>ecc</a:t>
+            </a:r>
+            <a:r>
+              <a:rPr lang="en-US" sz="700" dirty="0">
+                <a:solidFill>
+                  <a:srgbClr val="000000"/>
+                </a:solidFill>
+                <a:latin typeface="Cascadia Mono" panose="020B0609020000020004" pitchFamily="49" charset="0"/>
+              </a:rPr>
+              <a:t> / 2), </a:t>
+            </a:r>
+            <a:r>
+              <a:rPr lang="en-US" sz="700" dirty="0" err="1">
+                <a:solidFill>
+                  <a:srgbClr val="000000"/>
+                </a:solidFill>
+                <a:latin typeface="Cascadia Mono" panose="020B0609020000020004" pitchFamily="49" charset="0"/>
+              </a:rPr>
+              <a:t>Math.Cos</a:t>
+            </a:r>
+            <a:r>
+              <a:rPr lang="en-US" sz="700" dirty="0">
+                <a:solidFill>
+                  <a:srgbClr val="000000"/>
+                </a:solidFill>
+                <a:latin typeface="Cascadia Mono" panose="020B0609020000020004" pitchFamily="49" charset="0"/>
+              </a:rPr>
+              <a:t>(angle) * </a:t>
+            </a:r>
+            <a:r>
+              <a:rPr lang="en-US" sz="700" dirty="0" err="1">
+                <a:solidFill>
+                  <a:srgbClr val="000000"/>
+                </a:solidFill>
+                <a:latin typeface="Cascadia Mono" panose="020B0609020000020004" pitchFamily="49" charset="0"/>
+              </a:rPr>
+              <a:t>Math.Sin</a:t>
+            </a:r>
+            <a:r>
+              <a:rPr lang="en-US" sz="700" dirty="0">
+                <a:solidFill>
+                  <a:srgbClr val="000000"/>
+                </a:solidFill>
+                <a:latin typeface="Cascadia Mono" panose="020B0609020000020004" pitchFamily="49" charset="0"/>
+              </a:rPr>
+              <a:t>(</a:t>
+            </a:r>
+            <a:r>
+              <a:rPr lang="en-US" sz="700" dirty="0" err="1">
+                <a:solidFill>
+                  <a:srgbClr val="000000"/>
+                </a:solidFill>
+                <a:latin typeface="Cascadia Mono" panose="020B0609020000020004" pitchFamily="49" charset="0"/>
+              </a:rPr>
+              <a:t>ecc</a:t>
+            </a:r>
+            <a:r>
+              <a:rPr lang="en-US" sz="700" dirty="0">
+                <a:solidFill>
+                  <a:srgbClr val="000000"/>
+                </a:solidFill>
+                <a:latin typeface="Cascadia Mono" panose="020B0609020000020004" pitchFamily="49" charset="0"/>
+              </a:rPr>
+              <a:t> / 2), 0);</a:t>
+            </a:r>
+            <a:endParaRPr lang="en-US" sz="700" dirty="0"/>
+          </a:p>
+        </p:txBody>
+      </p:sp>
+    </p:spTree>
+    <p:extLst>
+      <p:ext uri="{BB962C8B-B14F-4D97-AF65-F5344CB8AC3E}">
+        <p14:creationId xmlns:p14="http://schemas.microsoft.com/office/powerpoint/2010/main" val="3341035362"/>
+      </p:ext>
+    </p:extLst>
+  </p:cSld>
+  <p:clrMapOvr>
+    <a:masterClrMapping/>
+  </p:clrMapOvr>
+</p:sld>
+</file>
+
+<file path=ppt/slides/slide6.xml><?xml version="1.0" encoding="utf-8"?>
+<p:sld xmlns:a="http://schemas.openxmlformats.org/drawingml/2006/main" xmlns:r="http://schemas.openxmlformats.org/officeDocument/2006/relationships" xmlns:p="http://schemas.openxmlformats.org/presentationml/2006/main">
+  <p:cSld>
+    <p:spTree>
+      <p:nvGrpSpPr>
+        <p:cNvPr id="1" name=""/>
+        <p:cNvGrpSpPr/>
+        <p:nvPr/>
+      </p:nvGrpSpPr>
+      <p:grpSpPr>
+        <a:xfrm>
+          <a:off x="0" y="0"/>
+          <a:ext cx="0" cy="0"/>
+          <a:chOff x="0" y="0"/>
+          <a:chExt cx="0" cy="0"/>
+        </a:xfrm>
+      </p:grpSpPr>
+      <p:sp>
+        <p:nvSpPr>
+          <p:cNvPr id="2" name="Title 1">
+            <a:extLst>
+              <a:ext uri="{FF2B5EF4-FFF2-40B4-BE49-F238E27FC236}">
                 <a16:creationId xmlns:a16="http://schemas.microsoft.com/office/drawing/2014/main" id="{FF7B6C37-8696-8A18-206A-1C621C0B6589}"/>
               </a:ext>
             </a:extLst>
@@ -5496,7 +5664,15 @@
           <a:p>
             <a:r>
               <a:rPr lang="en-US" sz="2000" dirty="0"/>
-              <a:t>When doing the rotation of the iris we build a 3D axis on the image to give volume to the eyeball. In this axis the z points out and the x and y axes are the ones from the image. So it becomes a left handed reference frame. </a:t>
+              <a:t>When doing the rotation of the iris we build a 3D axis on the image to give volume to the eyeball. In this axis the z points out and the x and y axes are the ones from the image. </a:t>
+            </a:r>
+            <a:r>
+              <a:rPr lang="en-US" sz="2000" dirty="0">
+                <a:highlight>
+                  <a:srgbClr val="FFFF00"/>
+                </a:highlight>
+              </a:rPr>
+              <a:t>So it becomes a left handed reference frame. </a:t>
             </a:r>
           </a:p>
         </p:txBody>
@@ -5905,117 +6081,6 @@
 </p:sld>
 </file>
 
-<file path=ppt/slides/slide6.xml><?xml version="1.0" encoding="utf-8"?>
-<p:sld xmlns:a="http://schemas.openxmlformats.org/drawingml/2006/main" xmlns:r="http://schemas.openxmlformats.org/officeDocument/2006/relationships" xmlns:p="http://schemas.openxmlformats.org/presentationml/2006/main">
-  <p:cSld>
-    <p:spTree>
-      <p:nvGrpSpPr>
-        <p:cNvPr id="1" name=""/>
-        <p:cNvGrpSpPr/>
-        <p:nvPr/>
-      </p:nvGrpSpPr>
-      <p:grpSpPr>
-        <a:xfrm>
-          <a:off x="0" y="0"/>
-          <a:ext cx="0" cy="0"/>
-          <a:chOff x="0" y="0"/>
-          <a:chExt cx="0" cy="0"/>
-        </a:xfrm>
-      </p:grpSpPr>
-      <p:sp>
-        <p:nvSpPr>
-          <p:cNvPr id="2" name="Title 1">
-            <a:extLst>
-              <a:ext uri="{FF2B5EF4-FFF2-40B4-BE49-F238E27FC236}">
-                <a16:creationId xmlns:a16="http://schemas.microsoft.com/office/drawing/2014/main" id="{55458A14-434B-55E5-FB2D-08218B151B10}"/>
-              </a:ext>
-            </a:extLst>
-          </p:cNvPr>
-          <p:cNvSpPr>
-            <a:spLocks noGrp="1"/>
-          </p:cNvSpPr>
-          <p:nvPr>
-            <p:ph type="title"/>
-          </p:nvPr>
-        </p:nvSpPr>
-        <p:spPr/>
-        <p:txBody>
-          <a:bodyPr/>
-          <a:lstStyle/>
-          <a:p>
-            <a:r>
-              <a:rPr lang="en-US" sz="1800" b="0" i="0" dirty="0">
-                <a:effectLst/>
-                <a:latin typeface="Menlo"/>
-              </a:rPr>
-              <a:t>qEyePosInRef2Camera</a:t>
-            </a:r>
-            <a:br>
-              <a:rPr lang="en-US" sz="1800" b="0" i="0" dirty="0">
-                <a:effectLst/>
-                <a:latin typeface="Menlo"/>
-              </a:rPr>
-            </a:br>
-            <a:endParaRPr lang="en-US" dirty="0"/>
-          </a:p>
-        </p:txBody>
-      </p:sp>
-      <p:sp>
-        <p:nvSpPr>
-          <p:cNvPr id="3" name="Content Placeholder 2">
-            <a:extLst>
-              <a:ext uri="{FF2B5EF4-FFF2-40B4-BE49-F238E27FC236}">
-                <a16:creationId xmlns:a16="http://schemas.microsoft.com/office/drawing/2014/main" id="{541D8966-AEA4-56B5-D033-0AB27A8CEE29}"/>
-              </a:ext>
-            </a:extLst>
-          </p:cNvPr>
-          <p:cNvSpPr>
-            <a:spLocks noGrp="1"/>
-          </p:cNvSpPr>
-          <p:nvPr>
-            <p:ph idx="1"/>
-          </p:nvPr>
-        </p:nvSpPr>
-        <p:spPr/>
-        <p:txBody>
-          <a:bodyPr/>
-          <a:lstStyle/>
-          <a:p>
-            <a:r>
-              <a:rPr lang="en-US" dirty="0"/>
-              <a:t>Left-handed quaternion</a:t>
-            </a:r>
-          </a:p>
-          <a:p>
-            <a:endParaRPr lang="en-US" dirty="0"/>
-          </a:p>
-          <a:p>
-            <a:r>
-              <a:rPr lang="en-US" dirty="0"/>
-              <a:t>(1,0,0,0) means looking at the camera with no torsion relative to the orientation of the camera</a:t>
-            </a:r>
-          </a:p>
-          <a:p>
-            <a:r>
-              <a:rPr lang="en-US" dirty="0"/>
-              <a:t> </a:t>
-            </a:r>
-          </a:p>
-        </p:txBody>
-      </p:sp>
-    </p:spTree>
-    <p:extLst>
-      <p:ext uri="{BB962C8B-B14F-4D97-AF65-F5344CB8AC3E}">
-        <p14:creationId xmlns:p14="http://schemas.microsoft.com/office/powerpoint/2010/main" val="3433708686"/>
-      </p:ext>
-    </p:extLst>
-  </p:cSld>
-  <p:clrMapOvr>
-    <a:masterClrMapping/>
-  </p:clrMapOvr>
-</p:sld>
-</file>
-
 <file path=ppt/slides/slide7.xml><?xml version="1.0" encoding="utf-8"?>
 <p:sld xmlns:a="http://schemas.openxmlformats.org/drawingml/2006/main" xmlns:r="http://schemas.openxmlformats.org/officeDocument/2006/relationships" xmlns:p="http://schemas.openxmlformats.org/presentationml/2006/main">
   <p:cSld>
@@ -6038,7 +6103,7 @@
           <p:cNvPr id="2" name="Title 1">
             <a:extLst>
               <a:ext uri="{FF2B5EF4-FFF2-40B4-BE49-F238E27FC236}">
-                <a16:creationId xmlns:a16="http://schemas.microsoft.com/office/drawing/2014/main" id="{B3BC16A0-9538-4687-F900-674480ED6FC0}"/>
+                <a16:creationId xmlns:a16="http://schemas.microsoft.com/office/drawing/2014/main" id="{55458A14-434B-55E5-FB2D-08218B151B10}"/>
               </a:ext>
             </a:extLst>
           </p:cNvPr>
@@ -6055,9 +6120,18 @@
           <a:lstStyle/>
           <a:p>
             <a:r>
-              <a:rPr lang="en-US" dirty="0" err="1"/>
-              <a:t>camPosition</a:t>
-            </a:r>
+              <a:rPr lang="en-US" sz="1800" b="0" i="0" dirty="0">
+                <a:effectLst/>
+                <a:latin typeface="Menlo"/>
+              </a:rPr>
+              <a:t>qEyePosInRef2Camera</a:t>
+            </a:r>
+            <a:br>
+              <a:rPr lang="en-US" sz="1800" b="0" i="0" dirty="0">
+                <a:effectLst/>
+                <a:latin typeface="Menlo"/>
+              </a:rPr>
+            </a:br>
             <a:endParaRPr lang="en-US" dirty="0"/>
           </a:p>
         </p:txBody>
@@ -6067,7 +6141,7 @@
           <p:cNvPr id="3" name="Content Placeholder 2">
             <a:extLst>
               <a:ext uri="{FF2B5EF4-FFF2-40B4-BE49-F238E27FC236}">
-                <a16:creationId xmlns:a16="http://schemas.microsoft.com/office/drawing/2014/main" id="{73E32F77-6162-85DD-32BA-754D2BDFD8D7}"/>
+                <a16:creationId xmlns:a16="http://schemas.microsoft.com/office/drawing/2014/main" id="{541D8966-AEA4-56B5-D033-0AB27A8CEE29}"/>
               </a:ext>
             </a:extLst>
           </p:cNvPr>
@@ -6094,16 +6168,13 @@
           <a:p>
             <a:r>
               <a:rPr lang="en-US" dirty="0"/>
-              <a:t>(1,0,0,0) eye pointing at the camera</a:t>
-            </a:r>
-          </a:p>
-          <a:p>
-            <a:endParaRPr lang="en-US" dirty="0"/>
+              <a:t>(1,0,0,0) means looking at the camera with no torsion relative to the orientation of the camera</a:t>
+            </a:r>
           </a:p>
           <a:p>
             <a:r>
               <a:rPr lang="en-US" dirty="0"/>
-              <a:t>Rotates the eye to look horizontal straight</a:t>
+              <a:t> </a:t>
             </a:r>
           </a:p>
         </p:txBody>
@@ -6111,7 +6182,7 @@
     </p:spTree>
     <p:extLst>
       <p:ext uri="{BB962C8B-B14F-4D97-AF65-F5344CB8AC3E}">
-        <p14:creationId xmlns:p14="http://schemas.microsoft.com/office/powerpoint/2010/main" val="1985788068"/>
+        <p14:creationId xmlns:p14="http://schemas.microsoft.com/office/powerpoint/2010/main" val="3433708686"/>
       </p:ext>
     </p:extLst>
   </p:cSld>
@@ -6143,6 +6214,111 @@
           <p:cNvPr id="2" name="Title 1">
             <a:extLst>
               <a:ext uri="{FF2B5EF4-FFF2-40B4-BE49-F238E27FC236}">
+                <a16:creationId xmlns:a16="http://schemas.microsoft.com/office/drawing/2014/main" id="{B3BC16A0-9538-4687-F900-674480ED6FC0}"/>
+              </a:ext>
+            </a:extLst>
+          </p:cNvPr>
+          <p:cNvSpPr>
+            <a:spLocks noGrp="1"/>
+          </p:cNvSpPr>
+          <p:nvPr>
+            <p:ph type="title"/>
+          </p:nvPr>
+        </p:nvSpPr>
+        <p:spPr/>
+        <p:txBody>
+          <a:bodyPr/>
+          <a:lstStyle/>
+          <a:p>
+            <a:r>
+              <a:rPr lang="en-US" dirty="0" err="1"/>
+              <a:t>camPosition</a:t>
+            </a:r>
+            <a:endParaRPr lang="en-US" dirty="0"/>
+          </a:p>
+        </p:txBody>
+      </p:sp>
+      <p:sp>
+        <p:nvSpPr>
+          <p:cNvPr id="3" name="Content Placeholder 2">
+            <a:extLst>
+              <a:ext uri="{FF2B5EF4-FFF2-40B4-BE49-F238E27FC236}">
+                <a16:creationId xmlns:a16="http://schemas.microsoft.com/office/drawing/2014/main" id="{73E32F77-6162-85DD-32BA-754D2BDFD8D7}"/>
+              </a:ext>
+            </a:extLst>
+          </p:cNvPr>
+          <p:cNvSpPr>
+            <a:spLocks noGrp="1"/>
+          </p:cNvSpPr>
+          <p:nvPr>
+            <p:ph idx="1"/>
+          </p:nvPr>
+        </p:nvSpPr>
+        <p:spPr/>
+        <p:txBody>
+          <a:bodyPr/>
+          <a:lstStyle/>
+          <a:p>
+            <a:r>
+              <a:rPr lang="en-US" dirty="0"/>
+              <a:t>Left-handed quaternion</a:t>
+            </a:r>
+          </a:p>
+          <a:p>
+            <a:endParaRPr lang="en-US" dirty="0"/>
+          </a:p>
+          <a:p>
+            <a:r>
+              <a:rPr lang="en-US" dirty="0"/>
+              <a:t>(1,0,0,0) eye pointing at the camera</a:t>
+            </a:r>
+          </a:p>
+          <a:p>
+            <a:endParaRPr lang="en-US" dirty="0"/>
+          </a:p>
+          <a:p>
+            <a:r>
+              <a:rPr lang="en-US" dirty="0"/>
+              <a:t>Rotates the eye to look horizontal straight</a:t>
+            </a:r>
+          </a:p>
+        </p:txBody>
+      </p:sp>
+    </p:spTree>
+    <p:extLst>
+      <p:ext uri="{BB962C8B-B14F-4D97-AF65-F5344CB8AC3E}">
+        <p14:creationId xmlns:p14="http://schemas.microsoft.com/office/powerpoint/2010/main" val="1985788068"/>
+      </p:ext>
+    </p:extLst>
+  </p:cSld>
+  <p:clrMapOvr>
+    <a:masterClrMapping/>
+  </p:clrMapOvr>
+</p:sld>
+</file>
+
+<file path=ppt/slides/slide9.xml><?xml version="1.0" encoding="utf-8"?>
+<p:sld xmlns:a="http://schemas.openxmlformats.org/drawingml/2006/main" xmlns:r="http://schemas.openxmlformats.org/officeDocument/2006/relationships" xmlns:p="http://schemas.openxmlformats.org/presentationml/2006/main">
+  <p:cSld>
+    <p:spTree>
+      <p:nvGrpSpPr>
+        <p:cNvPr id="1" name=""/>
+        <p:cNvGrpSpPr/>
+        <p:nvPr/>
+      </p:nvGrpSpPr>
+      <p:grpSpPr>
+        <a:xfrm>
+          <a:off x="0" y="0"/>
+          <a:ext cx="0" cy="0"/>
+          <a:chOff x="0" y="0"/>
+          <a:chExt cx="0" cy="0"/>
+        </a:xfrm>
+      </p:grpSpPr>
+      <p:sp>
+        <p:nvSpPr>
+          <p:cNvPr id="2" name="Title 1">
+            <a:extLst>
+              <a:ext uri="{FF2B5EF4-FFF2-40B4-BE49-F238E27FC236}">
                 <a16:creationId xmlns:a16="http://schemas.microsoft.com/office/drawing/2014/main" id="{46F40582-B56D-5D20-10D6-E1E6CC161117}"/>
               </a:ext>
             </a:extLst>
@@ -6159,7 +6335,10 @@
           <a:bodyPr/>
           <a:lstStyle/>
           <a:p>
-            <a:endParaRPr lang="en-US"/>
+            <a:r>
+              <a:rPr lang="en-US" dirty="0"/>
+              <a:t>Is this the problem?	</a:t>
+            </a:r>
           </a:p>
         </p:txBody>
       </p:sp>
@@ -6184,7 +6363,61 @@
           <a:bodyPr/>
           <a:lstStyle/>
           <a:p>
-            <a:endParaRPr lang="en-US"/>
+            <a:r>
+              <a:rPr lang="en-US" dirty="0"/>
+              <a:t>Line 43 </a:t>
+            </a:r>
+            <a:r>
+              <a:rPr lang="en-US" sz="1800" b="0" i="0" dirty="0">
+                <a:effectLst/>
+                <a:latin typeface="Menlo"/>
+              </a:rPr>
+              <a:t>q3 = -sin(angle)* sin(</a:t>
+            </a:r>
+            <a:r>
+              <a:rPr lang="en-US" sz="1800" b="0" i="0" dirty="0" err="1">
+                <a:effectLst/>
+                <a:latin typeface="Menlo"/>
+              </a:rPr>
+              <a:t>ecc</a:t>
+            </a:r>
+            <a:r>
+              <a:rPr lang="en-US" sz="1800" b="0" i="0" dirty="0">
+                <a:effectLst/>
+                <a:latin typeface="Menlo"/>
+              </a:rPr>
+              <a:t>/2);</a:t>
+            </a:r>
+          </a:p>
+          <a:p>
+            <a:pPr lvl="1"/>
+            <a:r>
+              <a:rPr lang="en-US" dirty="0"/>
+              <a:t>IS this attempting to do a flip from left handed to right handed. But I think that would cause problems because that’s not what open iris assumed.</a:t>
+            </a:r>
+          </a:p>
+          <a:p>
+            <a:pPr lvl="2"/>
+            <a:r>
+              <a:rPr lang="en-US" dirty="0"/>
+              <a:t>… maybe… </a:t>
+            </a:r>
+          </a:p>
+          <a:p>
+            <a:pPr lvl="2"/>
+            <a:endParaRPr lang="en-US" dirty="0"/>
+          </a:p>
+          <a:p>
+            <a:pPr lvl="1"/>
+            <a:r>
+              <a:rPr lang="en-US" dirty="0"/>
+              <a:t>Q needs to be the same quaternion as the one </a:t>
+            </a:r>
+            <a:r>
+              <a:rPr lang="en-US"/>
+              <a:t>in open iris</a:t>
+            </a:r>
+            <a:endParaRPr lang="en-US" dirty="0"/>
           </a:p>
         </p:txBody>
       </p:sp>
@@ -6517,6 +6750,15 @@
 </file>
 
 <file path=customXml/item1.xml><?xml version="1.0" encoding="utf-8"?>
+<?mso-contentType ?>
+<FormTemplates xmlns="http://schemas.microsoft.com/sharepoint/v3/contenttype/forms">
+  <Display>DocumentLibraryForm</Display>
+  <Edit>DocumentLibraryForm</Edit>
+  <New>DocumentLibraryForm</New>
+</FormTemplates>
+</file>
+
+<file path=customXml/item2.xml><?xml version="1.0" encoding="utf-8"?>
 <p:properties xmlns:p="http://schemas.microsoft.com/office/2006/metadata/properties" xmlns:xsi="http://www.w3.org/2001/XMLSchema-instance" xmlns:pc="http://schemas.microsoft.com/office/infopath/2007/PartnerControls">
   <documentManagement>
     <lcf76f155ced4ddcb4097134ff3c332f xmlns="a048c95d-56bc-4d9d-b7f4-f756d5a4a43b">
@@ -6525,15 +6767,6 @@
     <TaxCatchAll xmlns="dab830d7-07ee-458a-b886-32578b44a612" xsi:nil="true"/>
   </documentManagement>
 </p:properties>
-</file>
-
-<file path=customXml/item2.xml><?xml version="1.0" encoding="utf-8"?>
-<?mso-contentType ?>
-<FormTemplates xmlns="http://schemas.microsoft.com/sharepoint/v3/contenttype/forms">
-  <Display>DocumentLibraryForm</Display>
-  <Edit>DocumentLibraryForm</Edit>
-  <New>DocumentLibraryForm</New>
-</FormTemplates>
 </file>
 
 <file path=customXml/item3.xml><?xml version="1.0" encoding="utf-8"?>
@@ -6792,20 +7025,20 @@
 </file>
 
 <file path=customXml/itemProps1.xml><?xml version="1.0" encoding="utf-8"?>
+<ds:datastoreItem xmlns:ds="http://schemas.openxmlformats.org/officeDocument/2006/customXml" ds:itemID="{F1EC8B9C-407B-4024-B476-E556BE3F1E6D}">
+  <ds:schemaRefs>
+    <ds:schemaRef ds:uri="http://schemas.microsoft.com/sharepoint/v3/contenttype/forms"/>
+  </ds:schemaRefs>
+</ds:datastoreItem>
+</file>
+
+<file path=customXml/itemProps2.xml><?xml version="1.0" encoding="utf-8"?>
 <ds:datastoreItem xmlns:ds="http://schemas.openxmlformats.org/officeDocument/2006/customXml" ds:itemID="{0D164948-0D3D-49B6-BB77-98E28A2F68AF}">
   <ds:schemaRefs>
     <ds:schemaRef ds:uri="http://schemas.microsoft.com/office/2006/metadata/properties"/>
     <ds:schemaRef ds:uri="http://schemas.microsoft.com/office/infopath/2007/PartnerControls"/>
     <ds:schemaRef ds:uri="a048c95d-56bc-4d9d-b7f4-f756d5a4a43b"/>
     <ds:schemaRef ds:uri="dab830d7-07ee-458a-b886-32578b44a612"/>
-  </ds:schemaRefs>
-</ds:datastoreItem>
-</file>
-
-<file path=customXml/itemProps2.xml><?xml version="1.0" encoding="utf-8"?>
-<ds:datastoreItem xmlns:ds="http://schemas.openxmlformats.org/officeDocument/2006/customXml" ds:itemID="{F1EC8B9C-407B-4024-B476-E556BE3F1E6D}">
-  <ds:schemaRefs>
-    <ds:schemaRef ds:uri="http://schemas.microsoft.com/sharepoint/v3/contenttype/forms"/>
   </ds:schemaRefs>
 </ds:datastoreItem>
 </file>

--- a/EyeCameraSimulation_Torsion2/TestWithOpenIrisData/CalibrationReferenceFrames.pptx
+++ b/EyeCameraSimulation_Torsion2/TestWithOpenIrisData/CalibrationReferenceFrames.pptx
@@ -111,6 +111,11 @@
       </a:defRPr>
     </a:lvl9pPr>
   </p:defaultTextStyle>
+  <p:extLst>
+    <p:ext uri="{EFAFB233-063F-42B5-8137-9DF3F51BA10A}">
+      <p15:sldGuideLst xmlns:p15="http://schemas.microsoft.com/office/powerpoint/2012/main"/>
+    </p:ext>
+  </p:extLst>
 </p:presentation>
 </file>
 
@@ -470,7 +475,7 @@
           <a:p>
             <a:fld id="{982994E9-8008-45D4-A63E-DBA9E3317288}" type="datetimeFigureOut">
               <a:rPr lang="en-US" smtClean="0"/>
-              <a:t>8/1/2024</a:t>
+              <a:t>9/3/2024</a:t>
             </a:fld>
             <a:endParaRPr lang="en-US"/>
           </a:p>
@@ -668,7 +673,7 @@
           <a:p>
             <a:fld id="{982994E9-8008-45D4-A63E-DBA9E3317288}" type="datetimeFigureOut">
               <a:rPr lang="en-US" smtClean="0"/>
-              <a:t>8/1/2024</a:t>
+              <a:t>9/3/2024</a:t>
             </a:fld>
             <a:endParaRPr lang="en-US"/>
           </a:p>
@@ -876,7 +881,7 @@
           <a:p>
             <a:fld id="{982994E9-8008-45D4-A63E-DBA9E3317288}" type="datetimeFigureOut">
               <a:rPr lang="en-US" smtClean="0"/>
-              <a:t>8/1/2024</a:t>
+              <a:t>9/3/2024</a:t>
             </a:fld>
             <a:endParaRPr lang="en-US"/>
           </a:p>
@@ -1074,7 +1079,7 @@
           <a:p>
             <a:fld id="{982994E9-8008-45D4-A63E-DBA9E3317288}" type="datetimeFigureOut">
               <a:rPr lang="en-US" smtClean="0"/>
-              <a:t>8/1/2024</a:t>
+              <a:t>9/3/2024</a:t>
             </a:fld>
             <a:endParaRPr lang="en-US"/>
           </a:p>
@@ -1349,7 +1354,7 @@
           <a:p>
             <a:fld id="{982994E9-8008-45D4-A63E-DBA9E3317288}" type="datetimeFigureOut">
               <a:rPr lang="en-US" smtClean="0"/>
-              <a:t>8/1/2024</a:t>
+              <a:t>9/3/2024</a:t>
             </a:fld>
             <a:endParaRPr lang="en-US"/>
           </a:p>
@@ -1614,7 +1619,7 @@
           <a:p>
             <a:fld id="{982994E9-8008-45D4-A63E-DBA9E3317288}" type="datetimeFigureOut">
               <a:rPr lang="en-US" smtClean="0"/>
-              <a:t>8/1/2024</a:t>
+              <a:t>9/3/2024</a:t>
             </a:fld>
             <a:endParaRPr lang="en-US"/>
           </a:p>
@@ -2026,7 +2031,7 @@
           <a:p>
             <a:fld id="{982994E9-8008-45D4-A63E-DBA9E3317288}" type="datetimeFigureOut">
               <a:rPr lang="en-US" smtClean="0"/>
-              <a:t>8/1/2024</a:t>
+              <a:t>9/3/2024</a:t>
             </a:fld>
             <a:endParaRPr lang="en-US"/>
           </a:p>
@@ -2167,7 +2172,7 @@
           <a:p>
             <a:fld id="{982994E9-8008-45D4-A63E-DBA9E3317288}" type="datetimeFigureOut">
               <a:rPr lang="en-US" smtClean="0"/>
-              <a:t>8/1/2024</a:t>
+              <a:t>9/3/2024</a:t>
             </a:fld>
             <a:endParaRPr lang="en-US"/>
           </a:p>
@@ -2280,7 +2285,7 @@
           <a:p>
             <a:fld id="{982994E9-8008-45D4-A63E-DBA9E3317288}" type="datetimeFigureOut">
               <a:rPr lang="en-US" smtClean="0"/>
-              <a:t>8/1/2024</a:t>
+              <a:t>9/3/2024</a:t>
             </a:fld>
             <a:endParaRPr lang="en-US"/>
           </a:p>
@@ -2591,7 +2596,7 @@
           <a:p>
             <a:fld id="{982994E9-8008-45D4-A63E-DBA9E3317288}" type="datetimeFigureOut">
               <a:rPr lang="en-US" smtClean="0"/>
-              <a:t>8/1/2024</a:t>
+              <a:t>9/3/2024</a:t>
             </a:fld>
             <a:endParaRPr lang="en-US"/>
           </a:p>
@@ -2879,7 +2884,7 @@
           <a:p>
             <a:fld id="{982994E9-8008-45D4-A63E-DBA9E3317288}" type="datetimeFigureOut">
               <a:rPr lang="en-US" smtClean="0"/>
-              <a:t>8/1/2024</a:t>
+              <a:t>9/3/2024</a:t>
             </a:fld>
             <a:endParaRPr lang="en-US"/>
           </a:p>
@@ -3120,7 +3125,7 @@
           <a:p>
             <a:fld id="{982994E9-8008-45D4-A63E-DBA9E3317288}" type="datetimeFigureOut">
               <a:rPr lang="en-US" smtClean="0"/>
-              <a:t>8/1/2024</a:t>
+              <a:t>9/3/2024</a:t>
             </a:fld>
             <a:endParaRPr lang="en-US"/>
           </a:p>
@@ -6159,7 +6164,15 @@
           <a:bodyPr/>
           <a:lstStyle/>
           <a:p>
-            <a:endParaRPr lang="en-US"/>
+            <a:r>
+              <a:rPr lang="en-US" dirty="0"/>
+              <a:t>Data presentation in </a:t>
+            </a:r>
+            <a:r>
+              <a:rPr lang="en-US" dirty="0" err="1"/>
+              <a:t>Arume</a:t>
+            </a:r>
+            <a:endParaRPr lang="en-US" dirty="0"/>
           </a:p>
         </p:txBody>
       </p:sp>
@@ -6184,7 +6197,41 @@
           <a:bodyPr/>
           <a:lstStyle/>
           <a:p>
-            <a:endParaRPr lang="en-US"/>
+            <a:r>
+              <a:rPr lang="en-US" dirty="0"/>
+              <a:t>It is similar to the </a:t>
+            </a:r>
+            <a:r>
+              <a:rPr lang="en-US" dirty="0" err="1"/>
+              <a:t>openiris</a:t>
+            </a:r>
+            <a:r>
+              <a:rPr lang="en-US" dirty="0"/>
+              <a:t>:</a:t>
+            </a:r>
+          </a:p>
+          <a:p>
+            <a:pPr lvl="1"/>
+            <a:r>
+              <a:rPr lang="en-US" dirty="0"/>
+              <a:t>Downward is </a:t>
+            </a:r>
+            <a:r>
+              <a:rPr lang="en-US" b="1" dirty="0"/>
+              <a:t>positive</a:t>
+            </a:r>
+            <a:r>
+              <a:rPr lang="en-US" dirty="0"/>
+              <a:t> y and </a:t>
+            </a:r>
+            <a:r>
+              <a:rPr lang="en-US"/>
+              <a:t>to the </a:t>
+            </a:r>
+            <a:r>
+              <a:rPr lang="en-US" dirty="0"/>
+              <a:t>right is positive x</a:t>
+            </a:r>
           </a:p>
         </p:txBody>
       </p:sp>
@@ -6517,26 +6564,6 @@
 </file>
 
 <file path=customXml/item1.xml><?xml version="1.0" encoding="utf-8"?>
-<p:properties xmlns:p="http://schemas.microsoft.com/office/2006/metadata/properties" xmlns:xsi="http://www.w3.org/2001/XMLSchema-instance" xmlns:pc="http://schemas.microsoft.com/office/infopath/2007/PartnerControls">
-  <documentManagement>
-    <lcf76f155ced4ddcb4097134ff3c332f xmlns="a048c95d-56bc-4d9d-b7f4-f756d5a4a43b">
-      <Terms xmlns="http://schemas.microsoft.com/office/infopath/2007/PartnerControls"/>
-    </lcf76f155ced4ddcb4097134ff3c332f>
-    <TaxCatchAll xmlns="dab830d7-07ee-458a-b886-32578b44a612" xsi:nil="true"/>
-  </documentManagement>
-</p:properties>
-</file>
-
-<file path=customXml/item2.xml><?xml version="1.0" encoding="utf-8"?>
-<?mso-contentType ?>
-<FormTemplates xmlns="http://schemas.microsoft.com/sharepoint/v3/contenttype/forms">
-  <Display>DocumentLibraryForm</Display>
-  <Edit>DocumentLibraryForm</Edit>
-  <New>DocumentLibraryForm</New>
-</FormTemplates>
-</file>
-
-<file path=customXml/item3.xml><?xml version="1.0" encoding="utf-8"?>
 <ct:contentTypeSchema xmlns:ct="http://schemas.microsoft.com/office/2006/metadata/contentType" xmlns:ma="http://schemas.microsoft.com/office/2006/metadata/properties/metaAttributes" ct:_="" ma:_="" ma:contentTypeName="Document" ma:contentTypeID="0x010100CDA8567EE2FE4F4CBE3E2CEF37728AB4" ma:contentTypeVersion="18" ma:contentTypeDescription="Create a new document." ma:contentTypeScope="" ma:versionID="e7d26b699f58419488ec2a9395d27f95">
   <xsd:schema xmlns:xsd="http://www.w3.org/2001/XMLSchema" xmlns:xs="http://www.w3.org/2001/XMLSchema" xmlns:p="http://schemas.microsoft.com/office/2006/metadata/properties" xmlns:ns2="dab830d7-07ee-458a-b886-32578b44a612" xmlns:ns3="a048c95d-56bc-4d9d-b7f4-f756d5a4a43b" targetNamespace="http://schemas.microsoft.com/office/2006/metadata/properties" ma:root="true" ma:fieldsID="7ff599d4ed36994cb6c2e8fc22c54085" ns2:_="" ns3:_="">
     <xsd:import namespace="dab830d7-07ee-458a-b886-32578b44a612"/>
@@ -6791,26 +6818,27 @@
 </ct:contentTypeSchema>
 </file>
 
-<file path=customXml/itemProps1.xml><?xml version="1.0" encoding="utf-8"?>
-<ds:datastoreItem xmlns:ds="http://schemas.openxmlformats.org/officeDocument/2006/customXml" ds:itemID="{0D164948-0D3D-49B6-BB77-98E28A2F68AF}">
-  <ds:schemaRefs>
-    <ds:schemaRef ds:uri="http://schemas.microsoft.com/office/2006/metadata/properties"/>
-    <ds:schemaRef ds:uri="http://schemas.microsoft.com/office/infopath/2007/PartnerControls"/>
-    <ds:schemaRef ds:uri="a048c95d-56bc-4d9d-b7f4-f756d5a4a43b"/>
-    <ds:schemaRef ds:uri="dab830d7-07ee-458a-b886-32578b44a612"/>
-  </ds:schemaRefs>
-</ds:datastoreItem>
+<file path=customXml/item2.xml><?xml version="1.0" encoding="utf-8"?>
+<?mso-contentType ?>
+<FormTemplates xmlns="http://schemas.microsoft.com/sharepoint/v3/contenttype/forms">
+  <Display>DocumentLibraryForm</Display>
+  <Edit>DocumentLibraryForm</Edit>
+  <New>DocumentLibraryForm</New>
+</FormTemplates>
 </file>
 
-<file path=customXml/itemProps2.xml><?xml version="1.0" encoding="utf-8"?>
-<ds:datastoreItem xmlns:ds="http://schemas.openxmlformats.org/officeDocument/2006/customXml" ds:itemID="{F1EC8B9C-407B-4024-B476-E556BE3F1E6D}">
-  <ds:schemaRefs>
-    <ds:schemaRef ds:uri="http://schemas.microsoft.com/sharepoint/v3/contenttype/forms"/>
-  </ds:schemaRefs>
-</ds:datastoreItem>
+<file path=customXml/item3.xml><?xml version="1.0" encoding="utf-8"?>
+<p:properties xmlns:p="http://schemas.microsoft.com/office/2006/metadata/properties" xmlns:xsi="http://www.w3.org/2001/XMLSchema-instance" xmlns:pc="http://schemas.microsoft.com/office/infopath/2007/PartnerControls">
+  <documentManagement>
+    <lcf76f155ced4ddcb4097134ff3c332f xmlns="a048c95d-56bc-4d9d-b7f4-f756d5a4a43b">
+      <Terms xmlns="http://schemas.microsoft.com/office/infopath/2007/PartnerControls"/>
+    </lcf76f155ced4ddcb4097134ff3c332f>
+    <TaxCatchAll xmlns="dab830d7-07ee-458a-b886-32578b44a612" xsi:nil="true"/>
+  </documentManagement>
+</p:properties>
 </file>
 
-<file path=customXml/itemProps3.xml><?xml version="1.0" encoding="utf-8"?>
+<file path=customXml/itemProps1.xml><?xml version="1.0" encoding="utf-8"?>
 <ds:datastoreItem xmlns:ds="http://schemas.openxmlformats.org/officeDocument/2006/customXml" ds:itemID="{E776D396-1A6A-4BEC-9098-8DE0C0938470}">
   <ds:schemaRefs>
     <ds:schemaRef ds:uri="http://schemas.microsoft.com/office/2006/metadata/contentType"/>
@@ -6827,4 +6855,23 @@
     <ds:schemaRef ds:uri="http://schemas.microsoft.com/internal/obd"/>
   </ds:schemaRefs>
 </ds:datastoreItem>
+</file>
+
+<file path=customXml/itemProps2.xml><?xml version="1.0" encoding="utf-8"?>
+<ds:datastoreItem xmlns:ds="http://schemas.openxmlformats.org/officeDocument/2006/customXml" ds:itemID="{F1EC8B9C-407B-4024-B476-E556BE3F1E6D}">
+  <ds:schemaRefs>
+    <ds:schemaRef ds:uri="http://schemas.microsoft.com/sharepoint/v3/contenttype/forms"/>
+  </ds:schemaRefs>
+</ds:datastoreItem>
+</file>
+
+<file path=customXml/itemProps3.xml><?xml version="1.0" encoding="utf-8"?>
+<ds:datastoreItem xmlns:ds="http://schemas.openxmlformats.org/officeDocument/2006/customXml" ds:itemID="{0D164948-0D3D-49B6-BB77-98E28A2F68AF}">
+  <ds:schemaRefs>
+    <ds:schemaRef ds:uri="http://schemas.microsoft.com/office/2006/metadata/properties"/>
+    <ds:schemaRef ds:uri="http://schemas.microsoft.com/office/infopath/2007/PartnerControls"/>
+    <ds:schemaRef ds:uri="a048c95d-56bc-4d9d-b7f4-f756d5a4a43b"/>
+    <ds:schemaRef ds:uri="dab830d7-07ee-458a-b886-32578b44a612"/>
+  </ds:schemaRefs>
+</ds:datastoreItem>
 </file>